--- a/rabbitmq/RabbitMQ.pptx
+++ b/rabbitmq/RabbitMQ.pptx
@@ -1,15 +1,19 @@
 
 <file path=ppt/presentation.xml><?xml version="1.0" encoding="utf-8"?>
-<p:presentation xmlns:a="http://schemas.openxmlformats.org/drawingml/2006/main" xmlns:r="http://schemas.openxmlformats.org/officeDocument/2006/relationships" xmlns:p="http://schemas.openxmlformats.org/presentationml/2006/main" saveSubsetFonts="1">
+<p:presentation xmlns:a="http://schemas.openxmlformats.org/drawingml/2006/main" xmlns:r="http://schemas.openxmlformats.org/officeDocument/2006/relationships" xmlns:p="http://schemas.openxmlformats.org/presentationml/2006/main">
   <p:sldMasterIdLst>
     <p:sldMasterId id="2147483648" r:id="rId1"/>
   </p:sldMasterIdLst>
   <p:sldIdLst>
-    <p:sldId id="256" r:id="rId2"/>
-    <p:sldId id="257" r:id="rId3"/>
+    <p:sldId id="256" r:id="rId3"/>
+    <p:sldId id="257" r:id="rId4"/>
+    <p:sldId id="258" r:id="rId5"/>
   </p:sldIdLst>
   <p:sldSz cx="12192000" cy="6858000"/>
   <p:notesSz cx="6858000" cy="9144000"/>
+  <p:custDataLst>
+    <p:tags r:id="rId9"/>
+  </p:custDataLst>
   <p:defaultTextStyle>
     <a:defPPr>
       <a:defRPr lang="zh-CN"/>
@@ -127,13 +131,7 @@
       </p:grpSpPr>
       <p:sp>
         <p:nvSpPr>
-          <p:cNvPr id="2" name="标题 1">
-            <a:extLst>
-              <a:ext uri="{FF2B5EF4-FFF2-40B4-BE49-F238E27FC236}">
-                <a16:creationId xmlns:a16="http://schemas.microsoft.com/office/drawing/2014/main" id="{EB7A53FF-92B4-957E-AAA2-E6EE2CA1C6B4}"/>
-              </a:ext>
-            </a:extLst>
-          </p:cNvPr>
+          <p:cNvPr id="2" name="标题 1"/>
           <p:cNvSpPr>
             <a:spLocks noGrp="1"/>
           </p:cNvSpPr>
@@ -159,18 +157,13 @@
               <a:rPr lang="zh-CN" altLang="en-US"/>
               <a:t>单击此处编辑母版标题样式</a:t>
             </a:r>
-          </a:p>
-        </p:txBody>
-      </p:sp>
-      <p:sp>
-        <p:nvSpPr>
-          <p:cNvPr id="3" name="副标题 2">
-            <a:extLst>
-              <a:ext uri="{FF2B5EF4-FFF2-40B4-BE49-F238E27FC236}">
-                <a16:creationId xmlns:a16="http://schemas.microsoft.com/office/drawing/2014/main" id="{8D0F1B1B-22A6-8276-21DE-3E2400DFB138}"/>
-              </a:ext>
-            </a:extLst>
-          </p:cNvPr>
+            <a:endParaRPr lang="zh-CN" altLang="en-US"/>
+          </a:p>
+        </p:txBody>
+      </p:sp>
+      <p:sp>
+        <p:nvSpPr>
+          <p:cNvPr id="3" name="副标题 2"/>
           <p:cNvSpPr>
             <a:spLocks noGrp="1"/>
           </p:cNvSpPr>
@@ -229,18 +222,13 @@
               <a:rPr lang="zh-CN" altLang="en-US"/>
               <a:t>单击此处编辑母版副标题样式</a:t>
             </a:r>
-          </a:p>
-        </p:txBody>
-      </p:sp>
-      <p:sp>
-        <p:nvSpPr>
-          <p:cNvPr id="4" name="日期占位符 3">
-            <a:extLst>
-              <a:ext uri="{FF2B5EF4-FFF2-40B4-BE49-F238E27FC236}">
-                <a16:creationId xmlns:a16="http://schemas.microsoft.com/office/drawing/2014/main" id="{3A3D40D8-E114-73A5-7788-A961179CB09D}"/>
-              </a:ext>
-            </a:extLst>
-          </p:cNvPr>
+            <a:endParaRPr lang="zh-CN" altLang="en-US"/>
+          </a:p>
+        </p:txBody>
+      </p:sp>
+      <p:sp>
+        <p:nvSpPr>
+          <p:cNvPr id="4" name="日期占位符 3"/>
           <p:cNvSpPr>
             <a:spLocks noGrp="1"/>
           </p:cNvSpPr>
@@ -255,7 +243,6 @@
           <a:p>
             <a:fld id="{B1FFEB5B-541A-44AB-9764-1A2B60B26E42}" type="datetimeFigureOut">
               <a:rPr lang="zh-CN" altLang="en-US" smtClean="0"/>
-              <a:t>2023/8/20</a:t>
             </a:fld>
             <a:endParaRPr lang="zh-CN" altLang="en-US"/>
           </a:p>
@@ -263,13 +250,7 @@
       </p:sp>
       <p:sp>
         <p:nvSpPr>
-          <p:cNvPr id="5" name="页脚占位符 4">
-            <a:extLst>
-              <a:ext uri="{FF2B5EF4-FFF2-40B4-BE49-F238E27FC236}">
-                <a16:creationId xmlns:a16="http://schemas.microsoft.com/office/drawing/2014/main" id="{EB1254B9-5274-E85A-E982-A3E723093CE5}"/>
-              </a:ext>
-            </a:extLst>
-          </p:cNvPr>
+          <p:cNvPr id="5" name="页脚占位符 4"/>
           <p:cNvSpPr>
             <a:spLocks noGrp="1"/>
           </p:cNvSpPr>
@@ -288,13 +269,7 @@
       </p:sp>
       <p:sp>
         <p:nvSpPr>
-          <p:cNvPr id="6" name="灯片编号占位符 5">
-            <a:extLst>
-              <a:ext uri="{FF2B5EF4-FFF2-40B4-BE49-F238E27FC236}">
-                <a16:creationId xmlns:a16="http://schemas.microsoft.com/office/drawing/2014/main" id="{50958A1B-6D66-B392-577D-FAA6DB65F676}"/>
-              </a:ext>
-            </a:extLst>
-          </p:cNvPr>
+          <p:cNvPr id="6" name="灯片编号占位符 5"/>
           <p:cNvSpPr>
             <a:spLocks noGrp="1"/>
           </p:cNvSpPr>
@@ -309,18 +284,12 @@
           <a:p>
             <a:fld id="{89ED985B-F857-4246-8B4B-C41B2E07CF3E}" type="slidenum">
               <a:rPr lang="zh-CN" altLang="en-US" smtClean="0"/>
-              <a:t>‹#›</a:t>
             </a:fld>
             <a:endParaRPr lang="zh-CN" altLang="en-US"/>
           </a:p>
         </p:txBody>
       </p:sp>
     </p:spTree>
-    <p:extLst>
-      <p:ext uri="{BB962C8B-B14F-4D97-AF65-F5344CB8AC3E}">
-        <p14:creationId xmlns:p14="http://schemas.microsoft.com/office/powerpoint/2010/main" val="827601920"/>
-      </p:ext>
-    </p:extLst>
   </p:cSld>
   <p:clrMapOvr>
     <a:masterClrMapping/>
@@ -347,13 +316,7 @@
       </p:grpSpPr>
       <p:sp>
         <p:nvSpPr>
-          <p:cNvPr id="2" name="标题 1">
-            <a:extLst>
-              <a:ext uri="{FF2B5EF4-FFF2-40B4-BE49-F238E27FC236}">
-                <a16:creationId xmlns:a16="http://schemas.microsoft.com/office/drawing/2014/main" id="{9883D71B-835E-B9B8-2498-FCD7DB85B613}"/>
-              </a:ext>
-            </a:extLst>
-          </p:cNvPr>
+          <p:cNvPr id="2" name="标题 1"/>
           <p:cNvSpPr>
             <a:spLocks noGrp="1"/>
           </p:cNvSpPr>
@@ -370,18 +333,13 @@
               <a:rPr lang="zh-CN" altLang="en-US"/>
               <a:t>单击此处编辑母版标题样式</a:t>
             </a:r>
-          </a:p>
-        </p:txBody>
-      </p:sp>
-      <p:sp>
-        <p:nvSpPr>
-          <p:cNvPr id="3" name="竖排文字占位符 2">
-            <a:extLst>
-              <a:ext uri="{FF2B5EF4-FFF2-40B4-BE49-F238E27FC236}">
-                <a16:creationId xmlns:a16="http://schemas.microsoft.com/office/drawing/2014/main" id="{485CA2F9-C156-583B-BD5F-7B428F615931}"/>
-              </a:ext>
-            </a:extLst>
-          </p:cNvPr>
+            <a:endParaRPr lang="zh-CN" altLang="en-US"/>
+          </a:p>
+        </p:txBody>
+      </p:sp>
+      <p:sp>
+        <p:nvSpPr>
+          <p:cNvPr id="3" name="竖排文字占位符 2"/>
           <p:cNvSpPr>
             <a:spLocks noGrp="1"/>
           </p:cNvSpPr>
@@ -399,6 +357,7 @@
               <a:rPr lang="zh-CN" altLang="en-US"/>
               <a:t>单击此处编辑母版文本样式</a:t>
             </a:r>
+            <a:endParaRPr lang="zh-CN" altLang="en-US"/>
           </a:p>
           <a:p>
             <a:pPr lvl="1"/>
@@ -406,6 +365,7 @@
               <a:rPr lang="zh-CN" altLang="en-US"/>
               <a:t>二级</a:t>
             </a:r>
+            <a:endParaRPr lang="zh-CN" altLang="en-US"/>
           </a:p>
           <a:p>
             <a:pPr lvl="2"/>
@@ -413,6 +373,7 @@
               <a:rPr lang="zh-CN" altLang="en-US"/>
               <a:t>三级</a:t>
             </a:r>
+            <a:endParaRPr lang="zh-CN" altLang="en-US"/>
           </a:p>
           <a:p>
             <a:pPr lvl="3"/>
@@ -420,6 +381,7 @@
               <a:rPr lang="zh-CN" altLang="en-US"/>
               <a:t>四级</a:t>
             </a:r>
+            <a:endParaRPr lang="zh-CN" altLang="en-US"/>
           </a:p>
           <a:p>
             <a:pPr lvl="4"/>
@@ -427,18 +389,13 @@
               <a:rPr lang="zh-CN" altLang="en-US"/>
               <a:t>五级</a:t>
             </a:r>
-          </a:p>
-        </p:txBody>
-      </p:sp>
-      <p:sp>
-        <p:nvSpPr>
-          <p:cNvPr id="4" name="日期占位符 3">
-            <a:extLst>
-              <a:ext uri="{FF2B5EF4-FFF2-40B4-BE49-F238E27FC236}">
-                <a16:creationId xmlns:a16="http://schemas.microsoft.com/office/drawing/2014/main" id="{FB9B07FD-475F-C17C-8062-7DF5BA35F6B4}"/>
-              </a:ext>
-            </a:extLst>
-          </p:cNvPr>
+            <a:endParaRPr lang="zh-CN" altLang="en-US"/>
+          </a:p>
+        </p:txBody>
+      </p:sp>
+      <p:sp>
+        <p:nvSpPr>
+          <p:cNvPr id="4" name="日期占位符 3"/>
           <p:cNvSpPr>
             <a:spLocks noGrp="1"/>
           </p:cNvSpPr>
@@ -453,7 +410,6 @@
           <a:p>
             <a:fld id="{B1FFEB5B-541A-44AB-9764-1A2B60B26E42}" type="datetimeFigureOut">
               <a:rPr lang="zh-CN" altLang="en-US" smtClean="0"/>
-              <a:t>2023/8/20</a:t>
             </a:fld>
             <a:endParaRPr lang="zh-CN" altLang="en-US"/>
           </a:p>
@@ -461,13 +417,7 @@
       </p:sp>
       <p:sp>
         <p:nvSpPr>
-          <p:cNvPr id="5" name="页脚占位符 4">
-            <a:extLst>
-              <a:ext uri="{FF2B5EF4-FFF2-40B4-BE49-F238E27FC236}">
-                <a16:creationId xmlns:a16="http://schemas.microsoft.com/office/drawing/2014/main" id="{25044B00-FDD3-75D5-C261-A3449A4566C7}"/>
-              </a:ext>
-            </a:extLst>
-          </p:cNvPr>
+          <p:cNvPr id="5" name="页脚占位符 4"/>
           <p:cNvSpPr>
             <a:spLocks noGrp="1"/>
           </p:cNvSpPr>
@@ -486,13 +436,7 @@
       </p:sp>
       <p:sp>
         <p:nvSpPr>
-          <p:cNvPr id="6" name="灯片编号占位符 5">
-            <a:extLst>
-              <a:ext uri="{FF2B5EF4-FFF2-40B4-BE49-F238E27FC236}">
-                <a16:creationId xmlns:a16="http://schemas.microsoft.com/office/drawing/2014/main" id="{4C7E23C5-308D-5F3E-5C16-EBAE2292F17F}"/>
-              </a:ext>
-            </a:extLst>
-          </p:cNvPr>
+          <p:cNvPr id="6" name="灯片编号占位符 5"/>
           <p:cNvSpPr>
             <a:spLocks noGrp="1"/>
           </p:cNvSpPr>
@@ -507,18 +451,12 @@
           <a:p>
             <a:fld id="{89ED985B-F857-4246-8B4B-C41B2E07CF3E}" type="slidenum">
               <a:rPr lang="zh-CN" altLang="en-US" smtClean="0"/>
-              <a:t>‹#›</a:t>
             </a:fld>
             <a:endParaRPr lang="zh-CN" altLang="en-US"/>
           </a:p>
         </p:txBody>
       </p:sp>
     </p:spTree>
-    <p:extLst>
-      <p:ext uri="{BB962C8B-B14F-4D97-AF65-F5344CB8AC3E}">
-        <p14:creationId xmlns:p14="http://schemas.microsoft.com/office/powerpoint/2010/main" val="1319496969"/>
-      </p:ext>
-    </p:extLst>
   </p:cSld>
   <p:clrMapOvr>
     <a:masterClrMapping/>
@@ -545,13 +483,7 @@
       </p:grpSpPr>
       <p:sp>
         <p:nvSpPr>
-          <p:cNvPr id="2" name="竖排标题 1">
-            <a:extLst>
-              <a:ext uri="{FF2B5EF4-FFF2-40B4-BE49-F238E27FC236}">
-                <a16:creationId xmlns:a16="http://schemas.microsoft.com/office/drawing/2014/main" id="{FBDDCA73-FBE9-1A7C-285A-3D72EAE54872}"/>
-              </a:ext>
-            </a:extLst>
-          </p:cNvPr>
+          <p:cNvPr id="2" name="竖排标题 1"/>
           <p:cNvSpPr>
             <a:spLocks noGrp="1"/>
           </p:cNvSpPr>
@@ -573,18 +505,13 @@
               <a:rPr lang="zh-CN" altLang="en-US"/>
               <a:t>单击此处编辑母版标题样式</a:t>
             </a:r>
-          </a:p>
-        </p:txBody>
-      </p:sp>
-      <p:sp>
-        <p:nvSpPr>
-          <p:cNvPr id="3" name="竖排文字占位符 2">
-            <a:extLst>
-              <a:ext uri="{FF2B5EF4-FFF2-40B4-BE49-F238E27FC236}">
-                <a16:creationId xmlns:a16="http://schemas.microsoft.com/office/drawing/2014/main" id="{B9062EC1-A26B-BB6E-D5B5-8ABA72DCA085}"/>
-              </a:ext>
-            </a:extLst>
-          </p:cNvPr>
+            <a:endParaRPr lang="zh-CN" altLang="en-US"/>
+          </a:p>
+        </p:txBody>
+      </p:sp>
+      <p:sp>
+        <p:nvSpPr>
+          <p:cNvPr id="3" name="竖排文字占位符 2"/>
           <p:cNvSpPr>
             <a:spLocks noGrp="1"/>
           </p:cNvSpPr>
@@ -607,6 +534,7 @@
               <a:rPr lang="zh-CN" altLang="en-US"/>
               <a:t>单击此处编辑母版文本样式</a:t>
             </a:r>
+            <a:endParaRPr lang="zh-CN" altLang="en-US"/>
           </a:p>
           <a:p>
             <a:pPr lvl="1"/>
@@ -614,6 +542,7 @@
               <a:rPr lang="zh-CN" altLang="en-US"/>
               <a:t>二级</a:t>
             </a:r>
+            <a:endParaRPr lang="zh-CN" altLang="en-US"/>
           </a:p>
           <a:p>
             <a:pPr lvl="2"/>
@@ -621,6 +550,7 @@
               <a:rPr lang="zh-CN" altLang="en-US"/>
               <a:t>三级</a:t>
             </a:r>
+            <a:endParaRPr lang="zh-CN" altLang="en-US"/>
           </a:p>
           <a:p>
             <a:pPr lvl="3"/>
@@ -628,6 +558,7 @@
               <a:rPr lang="zh-CN" altLang="en-US"/>
               <a:t>四级</a:t>
             </a:r>
+            <a:endParaRPr lang="zh-CN" altLang="en-US"/>
           </a:p>
           <a:p>
             <a:pPr lvl="4"/>
@@ -635,18 +566,13 @@
               <a:rPr lang="zh-CN" altLang="en-US"/>
               <a:t>五级</a:t>
             </a:r>
-          </a:p>
-        </p:txBody>
-      </p:sp>
-      <p:sp>
-        <p:nvSpPr>
-          <p:cNvPr id="4" name="日期占位符 3">
-            <a:extLst>
-              <a:ext uri="{FF2B5EF4-FFF2-40B4-BE49-F238E27FC236}">
-                <a16:creationId xmlns:a16="http://schemas.microsoft.com/office/drawing/2014/main" id="{2EB1F786-7794-9FE5-4239-4327E215710B}"/>
-              </a:ext>
-            </a:extLst>
-          </p:cNvPr>
+            <a:endParaRPr lang="zh-CN" altLang="en-US"/>
+          </a:p>
+        </p:txBody>
+      </p:sp>
+      <p:sp>
+        <p:nvSpPr>
+          <p:cNvPr id="4" name="日期占位符 3"/>
           <p:cNvSpPr>
             <a:spLocks noGrp="1"/>
           </p:cNvSpPr>
@@ -661,7 +587,6 @@
           <a:p>
             <a:fld id="{B1FFEB5B-541A-44AB-9764-1A2B60B26E42}" type="datetimeFigureOut">
               <a:rPr lang="zh-CN" altLang="en-US" smtClean="0"/>
-              <a:t>2023/8/20</a:t>
             </a:fld>
             <a:endParaRPr lang="zh-CN" altLang="en-US"/>
           </a:p>
@@ -669,13 +594,7 @@
       </p:sp>
       <p:sp>
         <p:nvSpPr>
-          <p:cNvPr id="5" name="页脚占位符 4">
-            <a:extLst>
-              <a:ext uri="{FF2B5EF4-FFF2-40B4-BE49-F238E27FC236}">
-                <a16:creationId xmlns:a16="http://schemas.microsoft.com/office/drawing/2014/main" id="{A61B124F-FF9B-29C3-D6EC-EE284C9C8639}"/>
-              </a:ext>
-            </a:extLst>
-          </p:cNvPr>
+          <p:cNvPr id="5" name="页脚占位符 4"/>
           <p:cNvSpPr>
             <a:spLocks noGrp="1"/>
           </p:cNvSpPr>
@@ -694,13 +613,7 @@
       </p:sp>
       <p:sp>
         <p:nvSpPr>
-          <p:cNvPr id="6" name="灯片编号占位符 5">
-            <a:extLst>
-              <a:ext uri="{FF2B5EF4-FFF2-40B4-BE49-F238E27FC236}">
-                <a16:creationId xmlns:a16="http://schemas.microsoft.com/office/drawing/2014/main" id="{EC0EF0C0-A6EA-D073-3459-BE4F8D7E4571}"/>
-              </a:ext>
-            </a:extLst>
-          </p:cNvPr>
+          <p:cNvPr id="6" name="灯片编号占位符 5"/>
           <p:cNvSpPr>
             <a:spLocks noGrp="1"/>
           </p:cNvSpPr>
@@ -715,18 +628,12 @@
           <a:p>
             <a:fld id="{89ED985B-F857-4246-8B4B-C41B2E07CF3E}" type="slidenum">
               <a:rPr lang="zh-CN" altLang="en-US" smtClean="0"/>
-              <a:t>‹#›</a:t>
             </a:fld>
             <a:endParaRPr lang="zh-CN" altLang="en-US"/>
           </a:p>
         </p:txBody>
       </p:sp>
     </p:spTree>
-    <p:extLst>
-      <p:ext uri="{BB962C8B-B14F-4D97-AF65-F5344CB8AC3E}">
-        <p14:creationId xmlns:p14="http://schemas.microsoft.com/office/powerpoint/2010/main" val="85022290"/>
-      </p:ext>
-    </p:extLst>
   </p:cSld>
   <p:clrMapOvr>
     <a:masterClrMapping/>
@@ -753,13 +660,7 @@
       </p:grpSpPr>
       <p:sp>
         <p:nvSpPr>
-          <p:cNvPr id="2" name="标题 1">
-            <a:extLst>
-              <a:ext uri="{FF2B5EF4-FFF2-40B4-BE49-F238E27FC236}">
-                <a16:creationId xmlns:a16="http://schemas.microsoft.com/office/drawing/2014/main" id="{BFCD4DE8-31BC-4A47-E74F-AF30E6C9ADF3}"/>
-              </a:ext>
-            </a:extLst>
-          </p:cNvPr>
+          <p:cNvPr id="2" name="标题 1"/>
           <p:cNvSpPr>
             <a:spLocks noGrp="1"/>
           </p:cNvSpPr>
@@ -776,18 +677,13 @@
               <a:rPr lang="zh-CN" altLang="en-US"/>
               <a:t>单击此处编辑母版标题样式</a:t>
             </a:r>
-          </a:p>
-        </p:txBody>
-      </p:sp>
-      <p:sp>
-        <p:nvSpPr>
-          <p:cNvPr id="3" name="内容占位符 2">
-            <a:extLst>
-              <a:ext uri="{FF2B5EF4-FFF2-40B4-BE49-F238E27FC236}">
-                <a16:creationId xmlns:a16="http://schemas.microsoft.com/office/drawing/2014/main" id="{9AE97A7F-552D-638D-E27B-B8A0883209FE}"/>
-              </a:ext>
-            </a:extLst>
-          </p:cNvPr>
+            <a:endParaRPr lang="zh-CN" altLang="en-US"/>
+          </a:p>
+        </p:txBody>
+      </p:sp>
+      <p:sp>
+        <p:nvSpPr>
+          <p:cNvPr id="3" name="内容占位符 2"/>
           <p:cNvSpPr>
             <a:spLocks noGrp="1"/>
           </p:cNvSpPr>
@@ -805,6 +701,7 @@
               <a:rPr lang="zh-CN" altLang="en-US"/>
               <a:t>单击此处编辑母版文本样式</a:t>
             </a:r>
+            <a:endParaRPr lang="zh-CN" altLang="en-US"/>
           </a:p>
           <a:p>
             <a:pPr lvl="1"/>
@@ -812,6 +709,7 @@
               <a:rPr lang="zh-CN" altLang="en-US"/>
               <a:t>二级</a:t>
             </a:r>
+            <a:endParaRPr lang="zh-CN" altLang="en-US"/>
           </a:p>
           <a:p>
             <a:pPr lvl="2"/>
@@ -819,6 +717,7 @@
               <a:rPr lang="zh-CN" altLang="en-US"/>
               <a:t>三级</a:t>
             </a:r>
+            <a:endParaRPr lang="zh-CN" altLang="en-US"/>
           </a:p>
           <a:p>
             <a:pPr lvl="3"/>
@@ -826,6 +725,7 @@
               <a:rPr lang="zh-CN" altLang="en-US"/>
               <a:t>四级</a:t>
             </a:r>
+            <a:endParaRPr lang="zh-CN" altLang="en-US"/>
           </a:p>
           <a:p>
             <a:pPr lvl="4"/>
@@ -833,18 +733,13 @@
               <a:rPr lang="zh-CN" altLang="en-US"/>
               <a:t>五级</a:t>
             </a:r>
-          </a:p>
-        </p:txBody>
-      </p:sp>
-      <p:sp>
-        <p:nvSpPr>
-          <p:cNvPr id="4" name="日期占位符 3">
-            <a:extLst>
-              <a:ext uri="{FF2B5EF4-FFF2-40B4-BE49-F238E27FC236}">
-                <a16:creationId xmlns:a16="http://schemas.microsoft.com/office/drawing/2014/main" id="{D0FF839B-C82B-F219-84AE-846B91C87B80}"/>
-              </a:ext>
-            </a:extLst>
-          </p:cNvPr>
+            <a:endParaRPr lang="zh-CN" altLang="en-US"/>
+          </a:p>
+        </p:txBody>
+      </p:sp>
+      <p:sp>
+        <p:nvSpPr>
+          <p:cNvPr id="4" name="日期占位符 3"/>
           <p:cNvSpPr>
             <a:spLocks noGrp="1"/>
           </p:cNvSpPr>
@@ -859,7 +754,6 @@
           <a:p>
             <a:fld id="{B1FFEB5B-541A-44AB-9764-1A2B60B26E42}" type="datetimeFigureOut">
               <a:rPr lang="zh-CN" altLang="en-US" smtClean="0"/>
-              <a:t>2023/8/20</a:t>
             </a:fld>
             <a:endParaRPr lang="zh-CN" altLang="en-US"/>
           </a:p>
@@ -867,13 +761,7 @@
       </p:sp>
       <p:sp>
         <p:nvSpPr>
-          <p:cNvPr id="5" name="页脚占位符 4">
-            <a:extLst>
-              <a:ext uri="{FF2B5EF4-FFF2-40B4-BE49-F238E27FC236}">
-                <a16:creationId xmlns:a16="http://schemas.microsoft.com/office/drawing/2014/main" id="{493BC286-C0BF-0D63-A613-F27108F25B5B}"/>
-              </a:ext>
-            </a:extLst>
-          </p:cNvPr>
+          <p:cNvPr id="5" name="页脚占位符 4"/>
           <p:cNvSpPr>
             <a:spLocks noGrp="1"/>
           </p:cNvSpPr>
@@ -892,13 +780,7 @@
       </p:sp>
       <p:sp>
         <p:nvSpPr>
-          <p:cNvPr id="6" name="灯片编号占位符 5">
-            <a:extLst>
-              <a:ext uri="{FF2B5EF4-FFF2-40B4-BE49-F238E27FC236}">
-                <a16:creationId xmlns:a16="http://schemas.microsoft.com/office/drawing/2014/main" id="{2706FDCE-D6E0-BCDB-5E3E-5305BEF54888}"/>
-              </a:ext>
-            </a:extLst>
-          </p:cNvPr>
+          <p:cNvPr id="6" name="灯片编号占位符 5"/>
           <p:cNvSpPr>
             <a:spLocks noGrp="1"/>
           </p:cNvSpPr>
@@ -913,18 +795,12 @@
           <a:p>
             <a:fld id="{89ED985B-F857-4246-8B4B-C41B2E07CF3E}" type="slidenum">
               <a:rPr lang="zh-CN" altLang="en-US" smtClean="0"/>
-              <a:t>‹#›</a:t>
             </a:fld>
             <a:endParaRPr lang="zh-CN" altLang="en-US"/>
           </a:p>
         </p:txBody>
       </p:sp>
     </p:spTree>
-    <p:extLst>
-      <p:ext uri="{BB962C8B-B14F-4D97-AF65-F5344CB8AC3E}">
-        <p14:creationId xmlns:p14="http://schemas.microsoft.com/office/powerpoint/2010/main" val="2763379672"/>
-      </p:ext>
-    </p:extLst>
   </p:cSld>
   <p:clrMapOvr>
     <a:masterClrMapping/>
@@ -951,13 +827,7 @@
       </p:grpSpPr>
       <p:sp>
         <p:nvSpPr>
-          <p:cNvPr id="2" name="标题 1">
-            <a:extLst>
-              <a:ext uri="{FF2B5EF4-FFF2-40B4-BE49-F238E27FC236}">
-                <a16:creationId xmlns:a16="http://schemas.microsoft.com/office/drawing/2014/main" id="{CC5C56FA-A6AE-B8EF-891F-260D8120B6B5}"/>
-              </a:ext>
-            </a:extLst>
-          </p:cNvPr>
+          <p:cNvPr id="2" name="标题 1"/>
           <p:cNvSpPr>
             <a:spLocks noGrp="1"/>
           </p:cNvSpPr>
@@ -983,18 +853,13 @@
               <a:rPr lang="zh-CN" altLang="en-US"/>
               <a:t>单击此处编辑母版标题样式</a:t>
             </a:r>
-          </a:p>
-        </p:txBody>
-      </p:sp>
-      <p:sp>
-        <p:nvSpPr>
-          <p:cNvPr id="3" name="文本占位符 2">
-            <a:extLst>
-              <a:ext uri="{FF2B5EF4-FFF2-40B4-BE49-F238E27FC236}">
-                <a16:creationId xmlns:a16="http://schemas.microsoft.com/office/drawing/2014/main" id="{C40D7FCD-2151-C32C-22E5-6D15B2656150}"/>
-              </a:ext>
-            </a:extLst>
-          </p:cNvPr>
+            <a:endParaRPr lang="zh-CN" altLang="en-US"/>
+          </a:p>
+        </p:txBody>
+      </p:sp>
+      <p:sp>
+        <p:nvSpPr>
+          <p:cNvPr id="3" name="文本占位符 2"/>
           <p:cNvSpPr>
             <a:spLocks noGrp="1"/>
           </p:cNvSpPr>
@@ -1108,18 +973,13 @@
               <a:rPr lang="zh-CN" altLang="en-US"/>
               <a:t>单击此处编辑母版文本样式</a:t>
             </a:r>
-          </a:p>
-        </p:txBody>
-      </p:sp>
-      <p:sp>
-        <p:nvSpPr>
-          <p:cNvPr id="4" name="日期占位符 3">
-            <a:extLst>
-              <a:ext uri="{FF2B5EF4-FFF2-40B4-BE49-F238E27FC236}">
-                <a16:creationId xmlns:a16="http://schemas.microsoft.com/office/drawing/2014/main" id="{83C72A44-4622-0E37-3B13-F0B787535128}"/>
-              </a:ext>
-            </a:extLst>
-          </p:cNvPr>
+            <a:endParaRPr lang="zh-CN" altLang="en-US"/>
+          </a:p>
+        </p:txBody>
+      </p:sp>
+      <p:sp>
+        <p:nvSpPr>
+          <p:cNvPr id="4" name="日期占位符 3"/>
           <p:cNvSpPr>
             <a:spLocks noGrp="1"/>
           </p:cNvSpPr>
@@ -1134,7 +994,6 @@
           <a:p>
             <a:fld id="{B1FFEB5B-541A-44AB-9764-1A2B60B26E42}" type="datetimeFigureOut">
               <a:rPr lang="zh-CN" altLang="en-US" smtClean="0"/>
-              <a:t>2023/8/20</a:t>
             </a:fld>
             <a:endParaRPr lang="zh-CN" altLang="en-US"/>
           </a:p>
@@ -1142,13 +1001,7 @@
       </p:sp>
       <p:sp>
         <p:nvSpPr>
-          <p:cNvPr id="5" name="页脚占位符 4">
-            <a:extLst>
-              <a:ext uri="{FF2B5EF4-FFF2-40B4-BE49-F238E27FC236}">
-                <a16:creationId xmlns:a16="http://schemas.microsoft.com/office/drawing/2014/main" id="{9C2E7E9B-BFA2-33DB-883E-60F1AA9077F7}"/>
-              </a:ext>
-            </a:extLst>
-          </p:cNvPr>
+          <p:cNvPr id="5" name="页脚占位符 4"/>
           <p:cNvSpPr>
             <a:spLocks noGrp="1"/>
           </p:cNvSpPr>
@@ -1167,13 +1020,7 @@
       </p:sp>
       <p:sp>
         <p:nvSpPr>
-          <p:cNvPr id="6" name="灯片编号占位符 5">
-            <a:extLst>
-              <a:ext uri="{FF2B5EF4-FFF2-40B4-BE49-F238E27FC236}">
-                <a16:creationId xmlns:a16="http://schemas.microsoft.com/office/drawing/2014/main" id="{3B9FAE9C-3B7A-FBF6-F463-F782F9789257}"/>
-              </a:ext>
-            </a:extLst>
-          </p:cNvPr>
+          <p:cNvPr id="6" name="灯片编号占位符 5"/>
           <p:cNvSpPr>
             <a:spLocks noGrp="1"/>
           </p:cNvSpPr>
@@ -1188,18 +1035,12 @@
           <a:p>
             <a:fld id="{89ED985B-F857-4246-8B4B-C41B2E07CF3E}" type="slidenum">
               <a:rPr lang="zh-CN" altLang="en-US" smtClean="0"/>
-              <a:t>‹#›</a:t>
             </a:fld>
             <a:endParaRPr lang="zh-CN" altLang="en-US"/>
           </a:p>
         </p:txBody>
       </p:sp>
     </p:spTree>
-    <p:extLst>
-      <p:ext uri="{BB962C8B-B14F-4D97-AF65-F5344CB8AC3E}">
-        <p14:creationId xmlns:p14="http://schemas.microsoft.com/office/powerpoint/2010/main" val="101374011"/>
-      </p:ext>
-    </p:extLst>
   </p:cSld>
   <p:clrMapOvr>
     <a:masterClrMapping/>
@@ -1226,13 +1067,7 @@
       </p:grpSpPr>
       <p:sp>
         <p:nvSpPr>
-          <p:cNvPr id="2" name="标题 1">
-            <a:extLst>
-              <a:ext uri="{FF2B5EF4-FFF2-40B4-BE49-F238E27FC236}">
-                <a16:creationId xmlns:a16="http://schemas.microsoft.com/office/drawing/2014/main" id="{804A643D-7D27-86C6-8900-D98B5783FE00}"/>
-              </a:ext>
-            </a:extLst>
-          </p:cNvPr>
+          <p:cNvPr id="2" name="标题 1"/>
           <p:cNvSpPr>
             <a:spLocks noGrp="1"/>
           </p:cNvSpPr>
@@ -1249,18 +1084,13 @@
               <a:rPr lang="zh-CN" altLang="en-US"/>
               <a:t>单击此处编辑母版标题样式</a:t>
             </a:r>
-          </a:p>
-        </p:txBody>
-      </p:sp>
-      <p:sp>
-        <p:nvSpPr>
-          <p:cNvPr id="3" name="内容占位符 2">
-            <a:extLst>
-              <a:ext uri="{FF2B5EF4-FFF2-40B4-BE49-F238E27FC236}">
-                <a16:creationId xmlns:a16="http://schemas.microsoft.com/office/drawing/2014/main" id="{010C701C-1F81-D1DD-6B65-17DF331EB02C}"/>
-              </a:ext>
-            </a:extLst>
-          </p:cNvPr>
+            <a:endParaRPr lang="zh-CN" altLang="en-US"/>
+          </a:p>
+        </p:txBody>
+      </p:sp>
+      <p:sp>
+        <p:nvSpPr>
+          <p:cNvPr id="3" name="内容占位符 2"/>
           <p:cNvSpPr>
             <a:spLocks noGrp="1"/>
           </p:cNvSpPr>
@@ -1283,6 +1113,7 @@
               <a:rPr lang="zh-CN" altLang="en-US"/>
               <a:t>单击此处编辑母版文本样式</a:t>
             </a:r>
+            <a:endParaRPr lang="zh-CN" altLang="en-US"/>
           </a:p>
           <a:p>
             <a:pPr lvl="1"/>
@@ -1290,6 +1121,7 @@
               <a:rPr lang="zh-CN" altLang="en-US"/>
               <a:t>二级</a:t>
             </a:r>
+            <a:endParaRPr lang="zh-CN" altLang="en-US"/>
           </a:p>
           <a:p>
             <a:pPr lvl="2"/>
@@ -1297,6 +1129,7 @@
               <a:rPr lang="zh-CN" altLang="en-US"/>
               <a:t>三级</a:t>
             </a:r>
+            <a:endParaRPr lang="zh-CN" altLang="en-US"/>
           </a:p>
           <a:p>
             <a:pPr lvl="3"/>
@@ -1304,6 +1137,7 @@
               <a:rPr lang="zh-CN" altLang="en-US"/>
               <a:t>四级</a:t>
             </a:r>
+            <a:endParaRPr lang="zh-CN" altLang="en-US"/>
           </a:p>
           <a:p>
             <a:pPr lvl="4"/>
@@ -1311,18 +1145,13 @@
               <a:rPr lang="zh-CN" altLang="en-US"/>
               <a:t>五级</a:t>
             </a:r>
-          </a:p>
-        </p:txBody>
-      </p:sp>
-      <p:sp>
-        <p:nvSpPr>
-          <p:cNvPr id="4" name="内容占位符 3">
-            <a:extLst>
-              <a:ext uri="{FF2B5EF4-FFF2-40B4-BE49-F238E27FC236}">
-                <a16:creationId xmlns:a16="http://schemas.microsoft.com/office/drawing/2014/main" id="{5B756065-E886-8ECB-1B94-CA24B1152726}"/>
-              </a:ext>
-            </a:extLst>
-          </p:cNvPr>
+            <a:endParaRPr lang="zh-CN" altLang="en-US"/>
+          </a:p>
+        </p:txBody>
+      </p:sp>
+      <p:sp>
+        <p:nvSpPr>
+          <p:cNvPr id="4" name="内容占位符 3"/>
           <p:cNvSpPr>
             <a:spLocks noGrp="1"/>
           </p:cNvSpPr>
@@ -1345,6 +1174,7 @@
               <a:rPr lang="zh-CN" altLang="en-US"/>
               <a:t>单击此处编辑母版文本样式</a:t>
             </a:r>
+            <a:endParaRPr lang="zh-CN" altLang="en-US"/>
           </a:p>
           <a:p>
             <a:pPr lvl="1"/>
@@ -1352,6 +1182,7 @@
               <a:rPr lang="zh-CN" altLang="en-US"/>
               <a:t>二级</a:t>
             </a:r>
+            <a:endParaRPr lang="zh-CN" altLang="en-US"/>
           </a:p>
           <a:p>
             <a:pPr lvl="2"/>
@@ -1359,6 +1190,7 @@
               <a:rPr lang="zh-CN" altLang="en-US"/>
               <a:t>三级</a:t>
             </a:r>
+            <a:endParaRPr lang="zh-CN" altLang="en-US"/>
           </a:p>
           <a:p>
             <a:pPr lvl="3"/>
@@ -1366,6 +1198,7 @@
               <a:rPr lang="zh-CN" altLang="en-US"/>
               <a:t>四级</a:t>
             </a:r>
+            <a:endParaRPr lang="zh-CN" altLang="en-US"/>
           </a:p>
           <a:p>
             <a:pPr lvl="4"/>
@@ -1373,18 +1206,13 @@
               <a:rPr lang="zh-CN" altLang="en-US"/>
               <a:t>五级</a:t>
             </a:r>
-          </a:p>
-        </p:txBody>
-      </p:sp>
-      <p:sp>
-        <p:nvSpPr>
-          <p:cNvPr id="5" name="日期占位符 4">
-            <a:extLst>
-              <a:ext uri="{FF2B5EF4-FFF2-40B4-BE49-F238E27FC236}">
-                <a16:creationId xmlns:a16="http://schemas.microsoft.com/office/drawing/2014/main" id="{6192D007-B671-FAA7-E581-842BDE5CCC2B}"/>
-              </a:ext>
-            </a:extLst>
-          </p:cNvPr>
+            <a:endParaRPr lang="zh-CN" altLang="en-US"/>
+          </a:p>
+        </p:txBody>
+      </p:sp>
+      <p:sp>
+        <p:nvSpPr>
+          <p:cNvPr id="5" name="日期占位符 4"/>
           <p:cNvSpPr>
             <a:spLocks noGrp="1"/>
           </p:cNvSpPr>
@@ -1399,7 +1227,6 @@
           <a:p>
             <a:fld id="{B1FFEB5B-541A-44AB-9764-1A2B60B26E42}" type="datetimeFigureOut">
               <a:rPr lang="zh-CN" altLang="en-US" smtClean="0"/>
-              <a:t>2023/8/20</a:t>
             </a:fld>
             <a:endParaRPr lang="zh-CN" altLang="en-US"/>
           </a:p>
@@ -1407,13 +1234,7 @@
       </p:sp>
       <p:sp>
         <p:nvSpPr>
-          <p:cNvPr id="6" name="页脚占位符 5">
-            <a:extLst>
-              <a:ext uri="{FF2B5EF4-FFF2-40B4-BE49-F238E27FC236}">
-                <a16:creationId xmlns:a16="http://schemas.microsoft.com/office/drawing/2014/main" id="{E17456AC-5FAB-192F-EABC-7CF52F2BF490}"/>
-              </a:ext>
-            </a:extLst>
-          </p:cNvPr>
+          <p:cNvPr id="6" name="页脚占位符 5"/>
           <p:cNvSpPr>
             <a:spLocks noGrp="1"/>
           </p:cNvSpPr>
@@ -1432,13 +1253,7 @@
       </p:sp>
       <p:sp>
         <p:nvSpPr>
-          <p:cNvPr id="7" name="灯片编号占位符 6">
-            <a:extLst>
-              <a:ext uri="{FF2B5EF4-FFF2-40B4-BE49-F238E27FC236}">
-                <a16:creationId xmlns:a16="http://schemas.microsoft.com/office/drawing/2014/main" id="{39E76211-B59F-5D74-A387-C9428CEE0161}"/>
-              </a:ext>
-            </a:extLst>
-          </p:cNvPr>
+          <p:cNvPr id="7" name="灯片编号占位符 6"/>
           <p:cNvSpPr>
             <a:spLocks noGrp="1"/>
           </p:cNvSpPr>
@@ -1453,18 +1268,12 @@
           <a:p>
             <a:fld id="{89ED985B-F857-4246-8B4B-C41B2E07CF3E}" type="slidenum">
               <a:rPr lang="zh-CN" altLang="en-US" smtClean="0"/>
-              <a:t>‹#›</a:t>
             </a:fld>
             <a:endParaRPr lang="zh-CN" altLang="en-US"/>
           </a:p>
         </p:txBody>
       </p:sp>
     </p:spTree>
-    <p:extLst>
-      <p:ext uri="{BB962C8B-B14F-4D97-AF65-F5344CB8AC3E}">
-        <p14:creationId xmlns:p14="http://schemas.microsoft.com/office/powerpoint/2010/main" val="2705653700"/>
-      </p:ext>
-    </p:extLst>
   </p:cSld>
   <p:clrMapOvr>
     <a:masterClrMapping/>
@@ -1491,13 +1300,7 @@
       </p:grpSpPr>
       <p:sp>
         <p:nvSpPr>
-          <p:cNvPr id="2" name="标题 1">
-            <a:extLst>
-              <a:ext uri="{FF2B5EF4-FFF2-40B4-BE49-F238E27FC236}">
-                <a16:creationId xmlns:a16="http://schemas.microsoft.com/office/drawing/2014/main" id="{26C2C8D7-45D7-7C09-FEFC-A4F71AE13685}"/>
-              </a:ext>
-            </a:extLst>
-          </p:cNvPr>
+          <p:cNvPr id="2" name="标题 1"/>
           <p:cNvSpPr>
             <a:spLocks noGrp="1"/>
           </p:cNvSpPr>
@@ -1519,18 +1322,13 @@
               <a:rPr lang="zh-CN" altLang="en-US"/>
               <a:t>单击此处编辑母版标题样式</a:t>
             </a:r>
-          </a:p>
-        </p:txBody>
-      </p:sp>
-      <p:sp>
-        <p:nvSpPr>
-          <p:cNvPr id="3" name="文本占位符 2">
-            <a:extLst>
-              <a:ext uri="{FF2B5EF4-FFF2-40B4-BE49-F238E27FC236}">
-                <a16:creationId xmlns:a16="http://schemas.microsoft.com/office/drawing/2014/main" id="{35B7BA99-8A75-A5EA-087E-BFB0BC7B8025}"/>
-              </a:ext>
-            </a:extLst>
-          </p:cNvPr>
+            <a:endParaRPr lang="zh-CN" altLang="en-US"/>
+          </a:p>
+        </p:txBody>
+      </p:sp>
+      <p:sp>
+        <p:nvSpPr>
+          <p:cNvPr id="3" name="文本占位符 2"/>
           <p:cNvSpPr>
             <a:spLocks noGrp="1"/>
           </p:cNvSpPr>
@@ -1590,18 +1388,13 @@
               <a:rPr lang="zh-CN" altLang="en-US"/>
               <a:t>单击此处编辑母版文本样式</a:t>
             </a:r>
-          </a:p>
-        </p:txBody>
-      </p:sp>
-      <p:sp>
-        <p:nvSpPr>
-          <p:cNvPr id="4" name="内容占位符 3">
-            <a:extLst>
-              <a:ext uri="{FF2B5EF4-FFF2-40B4-BE49-F238E27FC236}">
-                <a16:creationId xmlns:a16="http://schemas.microsoft.com/office/drawing/2014/main" id="{FDF6590D-C95C-4D58-22CD-D6A8D7FF7663}"/>
-              </a:ext>
-            </a:extLst>
-          </p:cNvPr>
+            <a:endParaRPr lang="zh-CN" altLang="en-US"/>
+          </a:p>
+        </p:txBody>
+      </p:sp>
+      <p:sp>
+        <p:nvSpPr>
+          <p:cNvPr id="4" name="内容占位符 3"/>
           <p:cNvSpPr>
             <a:spLocks noGrp="1"/>
           </p:cNvSpPr>
@@ -1624,6 +1417,7 @@
               <a:rPr lang="zh-CN" altLang="en-US"/>
               <a:t>单击此处编辑母版文本样式</a:t>
             </a:r>
+            <a:endParaRPr lang="zh-CN" altLang="en-US"/>
           </a:p>
           <a:p>
             <a:pPr lvl="1"/>
@@ -1631,6 +1425,7 @@
               <a:rPr lang="zh-CN" altLang="en-US"/>
               <a:t>二级</a:t>
             </a:r>
+            <a:endParaRPr lang="zh-CN" altLang="en-US"/>
           </a:p>
           <a:p>
             <a:pPr lvl="2"/>
@@ -1638,6 +1433,7 @@
               <a:rPr lang="zh-CN" altLang="en-US"/>
               <a:t>三级</a:t>
             </a:r>
+            <a:endParaRPr lang="zh-CN" altLang="en-US"/>
           </a:p>
           <a:p>
             <a:pPr lvl="3"/>
@@ -1645,6 +1441,7 @@
               <a:rPr lang="zh-CN" altLang="en-US"/>
               <a:t>四级</a:t>
             </a:r>
+            <a:endParaRPr lang="zh-CN" altLang="en-US"/>
           </a:p>
           <a:p>
             <a:pPr lvl="4"/>
@@ -1652,18 +1449,13 @@
               <a:rPr lang="zh-CN" altLang="en-US"/>
               <a:t>五级</a:t>
             </a:r>
-          </a:p>
-        </p:txBody>
-      </p:sp>
-      <p:sp>
-        <p:nvSpPr>
-          <p:cNvPr id="5" name="文本占位符 4">
-            <a:extLst>
-              <a:ext uri="{FF2B5EF4-FFF2-40B4-BE49-F238E27FC236}">
-                <a16:creationId xmlns:a16="http://schemas.microsoft.com/office/drawing/2014/main" id="{5B30F68B-15DD-A28E-E888-D27D8F599A7E}"/>
-              </a:ext>
-            </a:extLst>
-          </p:cNvPr>
+            <a:endParaRPr lang="zh-CN" altLang="en-US"/>
+          </a:p>
+        </p:txBody>
+      </p:sp>
+      <p:sp>
+        <p:nvSpPr>
+          <p:cNvPr id="5" name="文本占位符 4"/>
           <p:cNvSpPr>
             <a:spLocks noGrp="1"/>
           </p:cNvSpPr>
@@ -1723,18 +1515,13 @@
               <a:rPr lang="zh-CN" altLang="en-US"/>
               <a:t>单击此处编辑母版文本样式</a:t>
             </a:r>
-          </a:p>
-        </p:txBody>
-      </p:sp>
-      <p:sp>
-        <p:nvSpPr>
-          <p:cNvPr id="6" name="内容占位符 5">
-            <a:extLst>
-              <a:ext uri="{FF2B5EF4-FFF2-40B4-BE49-F238E27FC236}">
-                <a16:creationId xmlns:a16="http://schemas.microsoft.com/office/drawing/2014/main" id="{96E27EB9-3443-523F-029F-F57A9D96C444}"/>
-              </a:ext>
-            </a:extLst>
-          </p:cNvPr>
+            <a:endParaRPr lang="zh-CN" altLang="en-US"/>
+          </a:p>
+        </p:txBody>
+      </p:sp>
+      <p:sp>
+        <p:nvSpPr>
+          <p:cNvPr id="6" name="内容占位符 5"/>
           <p:cNvSpPr>
             <a:spLocks noGrp="1"/>
           </p:cNvSpPr>
@@ -1757,6 +1544,7 @@
               <a:rPr lang="zh-CN" altLang="en-US"/>
               <a:t>单击此处编辑母版文本样式</a:t>
             </a:r>
+            <a:endParaRPr lang="zh-CN" altLang="en-US"/>
           </a:p>
           <a:p>
             <a:pPr lvl="1"/>
@@ -1764,6 +1552,7 @@
               <a:rPr lang="zh-CN" altLang="en-US"/>
               <a:t>二级</a:t>
             </a:r>
+            <a:endParaRPr lang="zh-CN" altLang="en-US"/>
           </a:p>
           <a:p>
             <a:pPr lvl="2"/>
@@ -1771,6 +1560,7 @@
               <a:rPr lang="zh-CN" altLang="en-US"/>
               <a:t>三级</a:t>
             </a:r>
+            <a:endParaRPr lang="zh-CN" altLang="en-US"/>
           </a:p>
           <a:p>
             <a:pPr lvl="3"/>
@@ -1778,6 +1568,7 @@
               <a:rPr lang="zh-CN" altLang="en-US"/>
               <a:t>四级</a:t>
             </a:r>
+            <a:endParaRPr lang="zh-CN" altLang="en-US"/>
           </a:p>
           <a:p>
             <a:pPr lvl="4"/>
@@ -1785,18 +1576,13 @@
               <a:rPr lang="zh-CN" altLang="en-US"/>
               <a:t>五级</a:t>
             </a:r>
-          </a:p>
-        </p:txBody>
-      </p:sp>
-      <p:sp>
-        <p:nvSpPr>
-          <p:cNvPr id="7" name="日期占位符 6">
-            <a:extLst>
-              <a:ext uri="{FF2B5EF4-FFF2-40B4-BE49-F238E27FC236}">
-                <a16:creationId xmlns:a16="http://schemas.microsoft.com/office/drawing/2014/main" id="{E5AF3901-449B-D3A0-AEAB-ACAD57841488}"/>
-              </a:ext>
-            </a:extLst>
-          </p:cNvPr>
+            <a:endParaRPr lang="zh-CN" altLang="en-US"/>
+          </a:p>
+        </p:txBody>
+      </p:sp>
+      <p:sp>
+        <p:nvSpPr>
+          <p:cNvPr id="7" name="日期占位符 6"/>
           <p:cNvSpPr>
             <a:spLocks noGrp="1"/>
           </p:cNvSpPr>
@@ -1811,7 +1597,6 @@
           <a:p>
             <a:fld id="{B1FFEB5B-541A-44AB-9764-1A2B60B26E42}" type="datetimeFigureOut">
               <a:rPr lang="zh-CN" altLang="en-US" smtClean="0"/>
-              <a:t>2023/8/20</a:t>
             </a:fld>
             <a:endParaRPr lang="zh-CN" altLang="en-US"/>
           </a:p>
@@ -1819,13 +1604,7 @@
       </p:sp>
       <p:sp>
         <p:nvSpPr>
-          <p:cNvPr id="8" name="页脚占位符 7">
-            <a:extLst>
-              <a:ext uri="{FF2B5EF4-FFF2-40B4-BE49-F238E27FC236}">
-                <a16:creationId xmlns:a16="http://schemas.microsoft.com/office/drawing/2014/main" id="{58AB5250-4770-5F40-03D6-FC7C482C9C53}"/>
-              </a:ext>
-            </a:extLst>
-          </p:cNvPr>
+          <p:cNvPr id="8" name="页脚占位符 7"/>
           <p:cNvSpPr>
             <a:spLocks noGrp="1"/>
           </p:cNvSpPr>
@@ -1844,13 +1623,7 @@
       </p:sp>
       <p:sp>
         <p:nvSpPr>
-          <p:cNvPr id="9" name="灯片编号占位符 8">
-            <a:extLst>
-              <a:ext uri="{FF2B5EF4-FFF2-40B4-BE49-F238E27FC236}">
-                <a16:creationId xmlns:a16="http://schemas.microsoft.com/office/drawing/2014/main" id="{01332808-B074-6D31-3E3C-E515F3B60C43}"/>
-              </a:ext>
-            </a:extLst>
-          </p:cNvPr>
+          <p:cNvPr id="9" name="灯片编号占位符 8"/>
           <p:cNvSpPr>
             <a:spLocks noGrp="1"/>
           </p:cNvSpPr>
@@ -1865,18 +1638,12 @@
           <a:p>
             <a:fld id="{89ED985B-F857-4246-8B4B-C41B2E07CF3E}" type="slidenum">
               <a:rPr lang="zh-CN" altLang="en-US" smtClean="0"/>
-              <a:t>‹#›</a:t>
             </a:fld>
             <a:endParaRPr lang="zh-CN" altLang="en-US"/>
           </a:p>
         </p:txBody>
       </p:sp>
     </p:spTree>
-    <p:extLst>
-      <p:ext uri="{BB962C8B-B14F-4D97-AF65-F5344CB8AC3E}">
-        <p14:creationId xmlns:p14="http://schemas.microsoft.com/office/powerpoint/2010/main" val="2279475379"/>
-      </p:ext>
-    </p:extLst>
   </p:cSld>
   <p:clrMapOvr>
     <a:masterClrMapping/>
@@ -1903,13 +1670,7 @@
       </p:grpSpPr>
       <p:sp>
         <p:nvSpPr>
-          <p:cNvPr id="2" name="标题 1">
-            <a:extLst>
-              <a:ext uri="{FF2B5EF4-FFF2-40B4-BE49-F238E27FC236}">
-                <a16:creationId xmlns:a16="http://schemas.microsoft.com/office/drawing/2014/main" id="{957363A6-F3B6-2BDB-5FEB-41761D144910}"/>
-              </a:ext>
-            </a:extLst>
-          </p:cNvPr>
+          <p:cNvPr id="2" name="标题 1"/>
           <p:cNvSpPr>
             <a:spLocks noGrp="1"/>
           </p:cNvSpPr>
@@ -1926,18 +1687,13 @@
               <a:rPr lang="zh-CN" altLang="en-US"/>
               <a:t>单击此处编辑母版标题样式</a:t>
             </a:r>
-          </a:p>
-        </p:txBody>
-      </p:sp>
-      <p:sp>
-        <p:nvSpPr>
-          <p:cNvPr id="3" name="日期占位符 2">
-            <a:extLst>
-              <a:ext uri="{FF2B5EF4-FFF2-40B4-BE49-F238E27FC236}">
-                <a16:creationId xmlns:a16="http://schemas.microsoft.com/office/drawing/2014/main" id="{5B7C066D-6CAB-5D28-E692-E95630CFAD4D}"/>
-              </a:ext>
-            </a:extLst>
-          </p:cNvPr>
+            <a:endParaRPr lang="zh-CN" altLang="en-US"/>
+          </a:p>
+        </p:txBody>
+      </p:sp>
+      <p:sp>
+        <p:nvSpPr>
+          <p:cNvPr id="3" name="日期占位符 2"/>
           <p:cNvSpPr>
             <a:spLocks noGrp="1"/>
           </p:cNvSpPr>
@@ -1952,7 +1708,6 @@
           <a:p>
             <a:fld id="{B1FFEB5B-541A-44AB-9764-1A2B60B26E42}" type="datetimeFigureOut">
               <a:rPr lang="zh-CN" altLang="en-US" smtClean="0"/>
-              <a:t>2023/8/20</a:t>
             </a:fld>
             <a:endParaRPr lang="zh-CN" altLang="en-US"/>
           </a:p>
@@ -1960,13 +1715,7 @@
       </p:sp>
       <p:sp>
         <p:nvSpPr>
-          <p:cNvPr id="4" name="页脚占位符 3">
-            <a:extLst>
-              <a:ext uri="{FF2B5EF4-FFF2-40B4-BE49-F238E27FC236}">
-                <a16:creationId xmlns:a16="http://schemas.microsoft.com/office/drawing/2014/main" id="{A06F59E9-D8BA-D9C9-DF26-EBFE3254701D}"/>
-              </a:ext>
-            </a:extLst>
-          </p:cNvPr>
+          <p:cNvPr id="4" name="页脚占位符 3"/>
           <p:cNvSpPr>
             <a:spLocks noGrp="1"/>
           </p:cNvSpPr>
@@ -1985,13 +1734,7 @@
       </p:sp>
       <p:sp>
         <p:nvSpPr>
-          <p:cNvPr id="5" name="灯片编号占位符 4">
-            <a:extLst>
-              <a:ext uri="{FF2B5EF4-FFF2-40B4-BE49-F238E27FC236}">
-                <a16:creationId xmlns:a16="http://schemas.microsoft.com/office/drawing/2014/main" id="{40E5CB6C-81CA-5C71-B5F8-B91522EF71D5}"/>
-              </a:ext>
-            </a:extLst>
-          </p:cNvPr>
+          <p:cNvPr id="5" name="灯片编号占位符 4"/>
           <p:cNvSpPr>
             <a:spLocks noGrp="1"/>
           </p:cNvSpPr>
@@ -2006,18 +1749,12 @@
           <a:p>
             <a:fld id="{89ED985B-F857-4246-8B4B-C41B2E07CF3E}" type="slidenum">
               <a:rPr lang="zh-CN" altLang="en-US" smtClean="0"/>
-              <a:t>‹#›</a:t>
             </a:fld>
             <a:endParaRPr lang="zh-CN" altLang="en-US"/>
           </a:p>
         </p:txBody>
       </p:sp>
     </p:spTree>
-    <p:extLst>
-      <p:ext uri="{BB962C8B-B14F-4D97-AF65-F5344CB8AC3E}">
-        <p14:creationId xmlns:p14="http://schemas.microsoft.com/office/powerpoint/2010/main" val="900557988"/>
-      </p:ext>
-    </p:extLst>
   </p:cSld>
   <p:clrMapOvr>
     <a:masterClrMapping/>
@@ -2044,13 +1781,7 @@
       </p:grpSpPr>
       <p:sp>
         <p:nvSpPr>
-          <p:cNvPr id="2" name="日期占位符 1">
-            <a:extLst>
-              <a:ext uri="{FF2B5EF4-FFF2-40B4-BE49-F238E27FC236}">
-                <a16:creationId xmlns:a16="http://schemas.microsoft.com/office/drawing/2014/main" id="{635C7C5B-2144-506B-CEE3-B33001A6F9EA}"/>
-              </a:ext>
-            </a:extLst>
-          </p:cNvPr>
+          <p:cNvPr id="2" name="日期占位符 1"/>
           <p:cNvSpPr>
             <a:spLocks noGrp="1"/>
           </p:cNvSpPr>
@@ -2065,7 +1796,6 @@
           <a:p>
             <a:fld id="{B1FFEB5B-541A-44AB-9764-1A2B60B26E42}" type="datetimeFigureOut">
               <a:rPr lang="zh-CN" altLang="en-US" smtClean="0"/>
-              <a:t>2023/8/20</a:t>
             </a:fld>
             <a:endParaRPr lang="zh-CN" altLang="en-US"/>
           </a:p>
@@ -2073,13 +1803,7 @@
       </p:sp>
       <p:sp>
         <p:nvSpPr>
-          <p:cNvPr id="3" name="页脚占位符 2">
-            <a:extLst>
-              <a:ext uri="{FF2B5EF4-FFF2-40B4-BE49-F238E27FC236}">
-                <a16:creationId xmlns:a16="http://schemas.microsoft.com/office/drawing/2014/main" id="{C5CBD328-786E-7E28-BCAE-B4E4D5A5231B}"/>
-              </a:ext>
-            </a:extLst>
-          </p:cNvPr>
+          <p:cNvPr id="3" name="页脚占位符 2"/>
           <p:cNvSpPr>
             <a:spLocks noGrp="1"/>
           </p:cNvSpPr>
@@ -2098,13 +1822,7 @@
       </p:sp>
       <p:sp>
         <p:nvSpPr>
-          <p:cNvPr id="4" name="灯片编号占位符 3">
-            <a:extLst>
-              <a:ext uri="{FF2B5EF4-FFF2-40B4-BE49-F238E27FC236}">
-                <a16:creationId xmlns:a16="http://schemas.microsoft.com/office/drawing/2014/main" id="{BDC0F065-094A-1D17-EBFB-6D2FD9C7A21C}"/>
-              </a:ext>
-            </a:extLst>
-          </p:cNvPr>
+          <p:cNvPr id="4" name="灯片编号占位符 3"/>
           <p:cNvSpPr>
             <a:spLocks noGrp="1"/>
           </p:cNvSpPr>
@@ -2119,18 +1837,12 @@
           <a:p>
             <a:fld id="{89ED985B-F857-4246-8B4B-C41B2E07CF3E}" type="slidenum">
               <a:rPr lang="zh-CN" altLang="en-US" smtClean="0"/>
-              <a:t>‹#›</a:t>
             </a:fld>
             <a:endParaRPr lang="zh-CN" altLang="en-US"/>
           </a:p>
         </p:txBody>
       </p:sp>
     </p:spTree>
-    <p:extLst>
-      <p:ext uri="{BB962C8B-B14F-4D97-AF65-F5344CB8AC3E}">
-        <p14:creationId xmlns:p14="http://schemas.microsoft.com/office/powerpoint/2010/main" val="1919887977"/>
-      </p:ext>
-    </p:extLst>
   </p:cSld>
   <p:clrMapOvr>
     <a:masterClrMapping/>
@@ -2157,13 +1869,7 @@
       </p:grpSpPr>
       <p:sp>
         <p:nvSpPr>
-          <p:cNvPr id="2" name="标题 1">
-            <a:extLst>
-              <a:ext uri="{FF2B5EF4-FFF2-40B4-BE49-F238E27FC236}">
-                <a16:creationId xmlns:a16="http://schemas.microsoft.com/office/drawing/2014/main" id="{4CD82E5F-5BAA-9E8C-B357-81BFD7078A80}"/>
-              </a:ext>
-            </a:extLst>
-          </p:cNvPr>
+          <p:cNvPr id="2" name="标题 1"/>
           <p:cNvSpPr>
             <a:spLocks noGrp="1"/>
           </p:cNvSpPr>
@@ -2189,18 +1895,13 @@
               <a:rPr lang="zh-CN" altLang="en-US"/>
               <a:t>单击此处编辑母版标题样式</a:t>
             </a:r>
-          </a:p>
-        </p:txBody>
-      </p:sp>
-      <p:sp>
-        <p:nvSpPr>
-          <p:cNvPr id="3" name="内容占位符 2">
-            <a:extLst>
-              <a:ext uri="{FF2B5EF4-FFF2-40B4-BE49-F238E27FC236}">
-                <a16:creationId xmlns:a16="http://schemas.microsoft.com/office/drawing/2014/main" id="{3F7D561B-AED0-71BE-BE94-8B53511C03D8}"/>
-              </a:ext>
-            </a:extLst>
-          </p:cNvPr>
+            <a:endParaRPr lang="zh-CN" altLang="en-US"/>
+          </a:p>
+        </p:txBody>
+      </p:sp>
+      <p:sp>
+        <p:nvSpPr>
+          <p:cNvPr id="3" name="内容占位符 2"/>
           <p:cNvSpPr>
             <a:spLocks noGrp="1"/>
           </p:cNvSpPr>
@@ -2251,6 +1952,7 @@
               <a:rPr lang="zh-CN" altLang="en-US"/>
               <a:t>单击此处编辑母版文本样式</a:t>
             </a:r>
+            <a:endParaRPr lang="zh-CN" altLang="en-US"/>
           </a:p>
           <a:p>
             <a:pPr lvl="1"/>
@@ -2258,6 +1960,7 @@
               <a:rPr lang="zh-CN" altLang="en-US"/>
               <a:t>二级</a:t>
             </a:r>
+            <a:endParaRPr lang="zh-CN" altLang="en-US"/>
           </a:p>
           <a:p>
             <a:pPr lvl="2"/>
@@ -2265,6 +1968,7 @@
               <a:rPr lang="zh-CN" altLang="en-US"/>
               <a:t>三级</a:t>
             </a:r>
+            <a:endParaRPr lang="zh-CN" altLang="en-US"/>
           </a:p>
           <a:p>
             <a:pPr lvl="3"/>
@@ -2272,6 +1976,7 @@
               <a:rPr lang="zh-CN" altLang="en-US"/>
               <a:t>四级</a:t>
             </a:r>
+            <a:endParaRPr lang="zh-CN" altLang="en-US"/>
           </a:p>
           <a:p>
             <a:pPr lvl="4"/>
@@ -2279,18 +1984,13 @@
               <a:rPr lang="zh-CN" altLang="en-US"/>
               <a:t>五级</a:t>
             </a:r>
-          </a:p>
-        </p:txBody>
-      </p:sp>
-      <p:sp>
-        <p:nvSpPr>
-          <p:cNvPr id="4" name="文本占位符 3">
-            <a:extLst>
-              <a:ext uri="{FF2B5EF4-FFF2-40B4-BE49-F238E27FC236}">
-                <a16:creationId xmlns:a16="http://schemas.microsoft.com/office/drawing/2014/main" id="{7FD2613B-0176-9975-011E-4657441FFBA6}"/>
-              </a:ext>
-            </a:extLst>
-          </p:cNvPr>
+            <a:endParaRPr lang="zh-CN" altLang="en-US"/>
+          </a:p>
+        </p:txBody>
+      </p:sp>
+      <p:sp>
+        <p:nvSpPr>
+          <p:cNvPr id="4" name="文本占位符 3"/>
           <p:cNvSpPr>
             <a:spLocks noGrp="1"/>
           </p:cNvSpPr>
@@ -2350,18 +2050,13 @@
               <a:rPr lang="zh-CN" altLang="en-US"/>
               <a:t>单击此处编辑母版文本样式</a:t>
             </a:r>
-          </a:p>
-        </p:txBody>
-      </p:sp>
-      <p:sp>
-        <p:nvSpPr>
-          <p:cNvPr id="5" name="日期占位符 4">
-            <a:extLst>
-              <a:ext uri="{FF2B5EF4-FFF2-40B4-BE49-F238E27FC236}">
-                <a16:creationId xmlns:a16="http://schemas.microsoft.com/office/drawing/2014/main" id="{B9210584-B694-F2E3-76A9-75754CCF6A07}"/>
-              </a:ext>
-            </a:extLst>
-          </p:cNvPr>
+            <a:endParaRPr lang="zh-CN" altLang="en-US"/>
+          </a:p>
+        </p:txBody>
+      </p:sp>
+      <p:sp>
+        <p:nvSpPr>
+          <p:cNvPr id="5" name="日期占位符 4"/>
           <p:cNvSpPr>
             <a:spLocks noGrp="1"/>
           </p:cNvSpPr>
@@ -2376,7 +2071,6 @@
           <a:p>
             <a:fld id="{B1FFEB5B-541A-44AB-9764-1A2B60B26E42}" type="datetimeFigureOut">
               <a:rPr lang="zh-CN" altLang="en-US" smtClean="0"/>
-              <a:t>2023/8/20</a:t>
             </a:fld>
             <a:endParaRPr lang="zh-CN" altLang="en-US"/>
           </a:p>
@@ -2384,13 +2078,7 @@
       </p:sp>
       <p:sp>
         <p:nvSpPr>
-          <p:cNvPr id="6" name="页脚占位符 5">
-            <a:extLst>
-              <a:ext uri="{FF2B5EF4-FFF2-40B4-BE49-F238E27FC236}">
-                <a16:creationId xmlns:a16="http://schemas.microsoft.com/office/drawing/2014/main" id="{DFCBF857-3674-01B5-12B9-EB25A16BAEFE}"/>
-              </a:ext>
-            </a:extLst>
-          </p:cNvPr>
+          <p:cNvPr id="6" name="页脚占位符 5"/>
           <p:cNvSpPr>
             <a:spLocks noGrp="1"/>
           </p:cNvSpPr>
@@ -2409,13 +2097,7 @@
       </p:sp>
       <p:sp>
         <p:nvSpPr>
-          <p:cNvPr id="7" name="灯片编号占位符 6">
-            <a:extLst>
-              <a:ext uri="{FF2B5EF4-FFF2-40B4-BE49-F238E27FC236}">
-                <a16:creationId xmlns:a16="http://schemas.microsoft.com/office/drawing/2014/main" id="{0D166AB9-2227-0FB7-CCF9-41CC21B7C748}"/>
-              </a:ext>
-            </a:extLst>
-          </p:cNvPr>
+          <p:cNvPr id="7" name="灯片编号占位符 6"/>
           <p:cNvSpPr>
             <a:spLocks noGrp="1"/>
           </p:cNvSpPr>
@@ -2430,18 +2112,12 @@
           <a:p>
             <a:fld id="{89ED985B-F857-4246-8B4B-C41B2E07CF3E}" type="slidenum">
               <a:rPr lang="zh-CN" altLang="en-US" smtClean="0"/>
-              <a:t>‹#›</a:t>
             </a:fld>
             <a:endParaRPr lang="zh-CN" altLang="en-US"/>
           </a:p>
         </p:txBody>
       </p:sp>
     </p:spTree>
-    <p:extLst>
-      <p:ext uri="{BB962C8B-B14F-4D97-AF65-F5344CB8AC3E}">
-        <p14:creationId xmlns:p14="http://schemas.microsoft.com/office/powerpoint/2010/main" val="2103748304"/>
-      </p:ext>
-    </p:extLst>
   </p:cSld>
   <p:clrMapOvr>
     <a:masterClrMapping/>
@@ -2468,13 +2144,7 @@
       </p:grpSpPr>
       <p:sp>
         <p:nvSpPr>
-          <p:cNvPr id="2" name="标题 1">
-            <a:extLst>
-              <a:ext uri="{FF2B5EF4-FFF2-40B4-BE49-F238E27FC236}">
-                <a16:creationId xmlns:a16="http://schemas.microsoft.com/office/drawing/2014/main" id="{3426CDE1-E638-DCF9-63C7-1C2E0A15E5A9}"/>
-              </a:ext>
-            </a:extLst>
-          </p:cNvPr>
+          <p:cNvPr id="2" name="标题 1"/>
           <p:cNvSpPr>
             <a:spLocks noGrp="1"/>
           </p:cNvSpPr>
@@ -2500,18 +2170,13 @@
               <a:rPr lang="zh-CN" altLang="en-US"/>
               <a:t>单击此处编辑母版标题样式</a:t>
             </a:r>
-          </a:p>
-        </p:txBody>
-      </p:sp>
-      <p:sp>
-        <p:nvSpPr>
-          <p:cNvPr id="3" name="图片占位符 2">
-            <a:extLst>
-              <a:ext uri="{FF2B5EF4-FFF2-40B4-BE49-F238E27FC236}">
-                <a16:creationId xmlns:a16="http://schemas.microsoft.com/office/drawing/2014/main" id="{C5B4CAE5-86F8-4FBA-E3AF-D87EF9063FE1}"/>
-              </a:ext>
-            </a:extLst>
-          </p:cNvPr>
+            <a:endParaRPr lang="zh-CN" altLang="en-US"/>
+          </a:p>
+        </p:txBody>
+      </p:sp>
+      <p:sp>
+        <p:nvSpPr>
+          <p:cNvPr id="3" name="图片占位符 2"/>
           <p:cNvSpPr>
             <a:spLocks noGrp="1"/>
           </p:cNvSpPr>
@@ -2572,13 +2237,7 @@
       </p:sp>
       <p:sp>
         <p:nvSpPr>
-          <p:cNvPr id="4" name="文本占位符 3">
-            <a:extLst>
-              <a:ext uri="{FF2B5EF4-FFF2-40B4-BE49-F238E27FC236}">
-                <a16:creationId xmlns:a16="http://schemas.microsoft.com/office/drawing/2014/main" id="{2A0DB5B2-AF20-31F8-E1BC-AE3E3E05E8E1}"/>
-              </a:ext>
-            </a:extLst>
-          </p:cNvPr>
+          <p:cNvPr id="4" name="文本占位符 3"/>
           <p:cNvSpPr>
             <a:spLocks noGrp="1"/>
           </p:cNvSpPr>
@@ -2638,18 +2297,13 @@
               <a:rPr lang="zh-CN" altLang="en-US"/>
               <a:t>单击此处编辑母版文本样式</a:t>
             </a:r>
-          </a:p>
-        </p:txBody>
-      </p:sp>
-      <p:sp>
-        <p:nvSpPr>
-          <p:cNvPr id="5" name="日期占位符 4">
-            <a:extLst>
-              <a:ext uri="{FF2B5EF4-FFF2-40B4-BE49-F238E27FC236}">
-                <a16:creationId xmlns:a16="http://schemas.microsoft.com/office/drawing/2014/main" id="{F04802E1-986F-CABD-B14F-36A96208D6AD}"/>
-              </a:ext>
-            </a:extLst>
-          </p:cNvPr>
+            <a:endParaRPr lang="zh-CN" altLang="en-US"/>
+          </a:p>
+        </p:txBody>
+      </p:sp>
+      <p:sp>
+        <p:nvSpPr>
+          <p:cNvPr id="5" name="日期占位符 4"/>
           <p:cNvSpPr>
             <a:spLocks noGrp="1"/>
           </p:cNvSpPr>
@@ -2664,7 +2318,6 @@
           <a:p>
             <a:fld id="{B1FFEB5B-541A-44AB-9764-1A2B60B26E42}" type="datetimeFigureOut">
               <a:rPr lang="zh-CN" altLang="en-US" smtClean="0"/>
-              <a:t>2023/8/20</a:t>
             </a:fld>
             <a:endParaRPr lang="zh-CN" altLang="en-US"/>
           </a:p>
@@ -2672,13 +2325,7 @@
       </p:sp>
       <p:sp>
         <p:nvSpPr>
-          <p:cNvPr id="6" name="页脚占位符 5">
-            <a:extLst>
-              <a:ext uri="{FF2B5EF4-FFF2-40B4-BE49-F238E27FC236}">
-                <a16:creationId xmlns:a16="http://schemas.microsoft.com/office/drawing/2014/main" id="{9AD25137-24C2-0E1F-5DDA-3EF09EED050C}"/>
-              </a:ext>
-            </a:extLst>
-          </p:cNvPr>
+          <p:cNvPr id="6" name="页脚占位符 5"/>
           <p:cNvSpPr>
             <a:spLocks noGrp="1"/>
           </p:cNvSpPr>
@@ -2697,13 +2344,7 @@
       </p:sp>
       <p:sp>
         <p:nvSpPr>
-          <p:cNvPr id="7" name="灯片编号占位符 6">
-            <a:extLst>
-              <a:ext uri="{FF2B5EF4-FFF2-40B4-BE49-F238E27FC236}">
-                <a16:creationId xmlns:a16="http://schemas.microsoft.com/office/drawing/2014/main" id="{1D70E339-7813-91A7-0532-DD5C1AD14055}"/>
-              </a:ext>
-            </a:extLst>
-          </p:cNvPr>
+          <p:cNvPr id="7" name="灯片编号占位符 6"/>
           <p:cNvSpPr>
             <a:spLocks noGrp="1"/>
           </p:cNvSpPr>
@@ -2718,18 +2359,12 @@
           <a:p>
             <a:fld id="{89ED985B-F857-4246-8B4B-C41B2E07CF3E}" type="slidenum">
               <a:rPr lang="zh-CN" altLang="en-US" smtClean="0"/>
-              <a:t>‹#›</a:t>
             </a:fld>
             <a:endParaRPr lang="zh-CN" altLang="en-US"/>
           </a:p>
         </p:txBody>
       </p:sp>
     </p:spTree>
-    <p:extLst>
-      <p:ext uri="{BB962C8B-B14F-4D97-AF65-F5344CB8AC3E}">
-        <p14:creationId xmlns:p14="http://schemas.microsoft.com/office/powerpoint/2010/main" val="3226530300"/>
-      </p:ext>
-    </p:extLst>
   </p:cSld>
   <p:clrMapOvr>
     <a:masterClrMapping/>
@@ -2761,13 +2396,7 @@
       </p:grpSpPr>
       <p:sp>
         <p:nvSpPr>
-          <p:cNvPr id="2" name="标题占位符 1">
-            <a:extLst>
-              <a:ext uri="{FF2B5EF4-FFF2-40B4-BE49-F238E27FC236}">
-                <a16:creationId xmlns:a16="http://schemas.microsoft.com/office/drawing/2014/main" id="{E16EB59D-2332-83EF-90DE-A84AA0B07AD2}"/>
-              </a:ext>
-            </a:extLst>
-          </p:cNvPr>
+          <p:cNvPr id="2" name="标题占位符 1"/>
           <p:cNvSpPr>
             <a:spLocks noGrp="1"/>
           </p:cNvSpPr>
@@ -2794,18 +2423,13 @@
               <a:rPr lang="zh-CN" altLang="en-US"/>
               <a:t>单击此处编辑母版标题样式</a:t>
             </a:r>
-          </a:p>
-        </p:txBody>
-      </p:sp>
-      <p:sp>
-        <p:nvSpPr>
-          <p:cNvPr id="3" name="文本占位符 2">
-            <a:extLst>
-              <a:ext uri="{FF2B5EF4-FFF2-40B4-BE49-F238E27FC236}">
-                <a16:creationId xmlns:a16="http://schemas.microsoft.com/office/drawing/2014/main" id="{2725CBE9-35F3-B7E2-AC69-7A23DB8485CF}"/>
-              </a:ext>
-            </a:extLst>
-          </p:cNvPr>
+            <a:endParaRPr lang="zh-CN" altLang="en-US"/>
+          </a:p>
+        </p:txBody>
+      </p:sp>
+      <p:sp>
+        <p:nvSpPr>
+          <p:cNvPr id="3" name="文本占位符 2"/>
           <p:cNvSpPr>
             <a:spLocks noGrp="1"/>
           </p:cNvSpPr>
@@ -2833,6 +2457,7 @@
               <a:rPr lang="zh-CN" altLang="en-US"/>
               <a:t>单击此处编辑母版文本样式</a:t>
             </a:r>
+            <a:endParaRPr lang="zh-CN" altLang="en-US"/>
           </a:p>
           <a:p>
             <a:pPr lvl="1"/>
@@ -2840,6 +2465,7 @@
               <a:rPr lang="zh-CN" altLang="en-US"/>
               <a:t>二级</a:t>
             </a:r>
+            <a:endParaRPr lang="zh-CN" altLang="en-US"/>
           </a:p>
           <a:p>
             <a:pPr lvl="2"/>
@@ -2847,6 +2473,7 @@
               <a:rPr lang="zh-CN" altLang="en-US"/>
               <a:t>三级</a:t>
             </a:r>
+            <a:endParaRPr lang="zh-CN" altLang="en-US"/>
           </a:p>
           <a:p>
             <a:pPr lvl="3"/>
@@ -2854,6 +2481,7 @@
               <a:rPr lang="zh-CN" altLang="en-US"/>
               <a:t>四级</a:t>
             </a:r>
+            <a:endParaRPr lang="zh-CN" altLang="en-US"/>
           </a:p>
           <a:p>
             <a:pPr lvl="4"/>
@@ -2861,18 +2489,13 @@
               <a:rPr lang="zh-CN" altLang="en-US"/>
               <a:t>五级</a:t>
             </a:r>
-          </a:p>
-        </p:txBody>
-      </p:sp>
-      <p:sp>
-        <p:nvSpPr>
-          <p:cNvPr id="4" name="日期占位符 3">
-            <a:extLst>
-              <a:ext uri="{FF2B5EF4-FFF2-40B4-BE49-F238E27FC236}">
-                <a16:creationId xmlns:a16="http://schemas.microsoft.com/office/drawing/2014/main" id="{4A7BF907-813C-83F9-3A42-D58A14D5A3D5}"/>
-              </a:ext>
-            </a:extLst>
-          </p:cNvPr>
+            <a:endParaRPr lang="zh-CN" altLang="en-US"/>
+          </a:p>
+        </p:txBody>
+      </p:sp>
+      <p:sp>
+        <p:nvSpPr>
+          <p:cNvPr id="4" name="日期占位符 3"/>
           <p:cNvSpPr>
             <a:spLocks noGrp="1"/>
           </p:cNvSpPr>
@@ -2905,7 +2528,6 @@
           <a:p>
             <a:fld id="{B1FFEB5B-541A-44AB-9764-1A2B60B26E42}" type="datetimeFigureOut">
               <a:rPr lang="zh-CN" altLang="en-US" smtClean="0"/>
-              <a:t>2023/8/20</a:t>
             </a:fld>
             <a:endParaRPr lang="zh-CN" altLang="en-US"/>
           </a:p>
@@ -2913,13 +2535,7 @@
       </p:sp>
       <p:sp>
         <p:nvSpPr>
-          <p:cNvPr id="5" name="页脚占位符 4">
-            <a:extLst>
-              <a:ext uri="{FF2B5EF4-FFF2-40B4-BE49-F238E27FC236}">
-                <a16:creationId xmlns:a16="http://schemas.microsoft.com/office/drawing/2014/main" id="{F4B1715D-50F6-B669-B7E2-6664B1555701}"/>
-              </a:ext>
-            </a:extLst>
-          </p:cNvPr>
+          <p:cNvPr id="5" name="页脚占位符 4"/>
           <p:cNvSpPr>
             <a:spLocks noGrp="1"/>
           </p:cNvSpPr>
@@ -2956,13 +2572,7 @@
       </p:sp>
       <p:sp>
         <p:nvSpPr>
-          <p:cNvPr id="6" name="灯片编号占位符 5">
-            <a:extLst>
-              <a:ext uri="{FF2B5EF4-FFF2-40B4-BE49-F238E27FC236}">
-                <a16:creationId xmlns:a16="http://schemas.microsoft.com/office/drawing/2014/main" id="{26B0290B-DA0D-D70E-8BB4-6026B4AA94E4}"/>
-              </a:ext>
-            </a:extLst>
-          </p:cNvPr>
+          <p:cNvPr id="6" name="灯片编号占位符 5"/>
           <p:cNvSpPr>
             <a:spLocks noGrp="1"/>
           </p:cNvSpPr>
@@ -2995,18 +2605,12 @@
           <a:p>
             <a:fld id="{89ED985B-F857-4246-8B4B-C41B2E07CF3E}" type="slidenum">
               <a:rPr lang="zh-CN" altLang="en-US" smtClean="0"/>
-              <a:t>‹#›</a:t>
             </a:fld>
             <a:endParaRPr lang="zh-CN" altLang="en-US"/>
           </a:p>
         </p:txBody>
       </p:sp>
     </p:spTree>
-    <p:extLst>
-      <p:ext uri="{BB962C8B-B14F-4D97-AF65-F5344CB8AC3E}">
-        <p14:creationId xmlns:p14="http://schemas.microsoft.com/office/powerpoint/2010/main" val="621117317"/>
-      </p:ext>
-    </p:extLst>
   </p:cSld>
   <p:clrMap bg1="lt1" tx1="dk1" bg2="lt2" tx2="dk2" accent1="accent1" accent2="accent2" accent3="accent3" accent4="accent4" accent5="accent5" accent6="accent6" hlink="hlink" folHlink="folHlink"/>
   <p:sldLayoutIdLst>
@@ -3324,13 +2928,7 @@
       </p:grpSpPr>
       <p:sp>
         <p:nvSpPr>
-          <p:cNvPr id="2" name="标题 1">
-            <a:extLst>
-              <a:ext uri="{FF2B5EF4-FFF2-40B4-BE49-F238E27FC236}">
-                <a16:creationId xmlns:a16="http://schemas.microsoft.com/office/drawing/2014/main" id="{E433553B-99AB-3486-E7A6-91FFAABEA99B}"/>
-              </a:ext>
-            </a:extLst>
-          </p:cNvPr>
+          <p:cNvPr id="2" name="标题 1"/>
           <p:cNvSpPr>
             <a:spLocks noGrp="1"/>
           </p:cNvSpPr>
@@ -3353,13 +2951,7 @@
       </p:sp>
       <p:sp>
         <p:nvSpPr>
-          <p:cNvPr id="3" name="副标题 2">
-            <a:extLst>
-              <a:ext uri="{FF2B5EF4-FFF2-40B4-BE49-F238E27FC236}">
-                <a16:creationId xmlns:a16="http://schemas.microsoft.com/office/drawing/2014/main" id="{9C6EE4FA-1D2A-9B51-540C-E98C1B70FDD9}"/>
-              </a:ext>
-            </a:extLst>
-          </p:cNvPr>
+          <p:cNvPr id="3" name="副标题 2"/>
           <p:cNvSpPr>
             <a:spLocks noGrp="1"/>
           </p:cNvSpPr>
@@ -3377,11 +2969,6 @@
         </p:txBody>
       </p:sp>
     </p:spTree>
-    <p:extLst>
-      <p:ext uri="{BB962C8B-B14F-4D97-AF65-F5344CB8AC3E}">
-        <p14:creationId xmlns:p14="http://schemas.microsoft.com/office/powerpoint/2010/main" val="1664248175"/>
-      </p:ext>
-    </p:extLst>
   </p:cSld>
   <p:clrMapOvr>
     <a:masterClrMapping/>
@@ -3408,13 +2995,7 @@
       </p:grpSpPr>
       <p:sp>
         <p:nvSpPr>
-          <p:cNvPr id="21" name="矩形: 圆角 20">
-            <a:extLst>
-              <a:ext uri="{FF2B5EF4-FFF2-40B4-BE49-F238E27FC236}">
-                <a16:creationId xmlns:a16="http://schemas.microsoft.com/office/drawing/2014/main" id="{225A6C5E-973D-6FBE-1963-9EE07395320D}"/>
-              </a:ext>
-            </a:extLst>
-          </p:cNvPr>
+          <p:cNvPr id="21" name="矩形: 圆角 20"/>
           <p:cNvSpPr/>
           <p:nvPr/>
         </p:nvSpPr>
@@ -3475,13 +3056,7 @@
       </p:sp>
       <p:sp>
         <p:nvSpPr>
-          <p:cNvPr id="18" name="矩形: 圆角 17">
-            <a:extLst>
-              <a:ext uri="{FF2B5EF4-FFF2-40B4-BE49-F238E27FC236}">
-                <a16:creationId xmlns:a16="http://schemas.microsoft.com/office/drawing/2014/main" id="{A1A1B911-ED85-D776-6979-3E32F2ABFC68}"/>
-              </a:ext>
-            </a:extLst>
-          </p:cNvPr>
+          <p:cNvPr id="18" name="矩形: 圆角 17"/>
           <p:cNvSpPr/>
           <p:nvPr/>
         </p:nvSpPr>
@@ -3542,13 +3117,7 @@
       </p:sp>
       <p:sp>
         <p:nvSpPr>
-          <p:cNvPr id="4" name="椭圆 3">
-            <a:extLst>
-              <a:ext uri="{FF2B5EF4-FFF2-40B4-BE49-F238E27FC236}">
-                <a16:creationId xmlns:a16="http://schemas.microsoft.com/office/drawing/2014/main" id="{99CC7EEF-1024-6122-8062-2BFBE58AAE13}"/>
-              </a:ext>
-            </a:extLst>
-          </p:cNvPr>
+          <p:cNvPr id="4" name="椭圆 3"/>
           <p:cNvSpPr/>
           <p:nvPr/>
         </p:nvSpPr>
@@ -3584,6 +3153,7 @@
               <a:rPr lang="en-US" altLang="zh-CN" sz="1600" dirty="0"/>
               <a:t>Producer </a:t>
             </a:r>
+            <a:endParaRPr lang="en-US" altLang="zh-CN" sz="1600" dirty="0"/>
           </a:p>
           <a:p>
             <a:pPr algn="ctr"/>
@@ -3597,13 +3167,7 @@
       </p:sp>
       <p:sp>
         <p:nvSpPr>
-          <p:cNvPr id="5" name="椭圆 4">
-            <a:extLst>
-              <a:ext uri="{FF2B5EF4-FFF2-40B4-BE49-F238E27FC236}">
-                <a16:creationId xmlns:a16="http://schemas.microsoft.com/office/drawing/2014/main" id="{A4845050-A8A7-CA4B-27D6-4AAF0A395DF5}"/>
-              </a:ext>
-            </a:extLst>
-          </p:cNvPr>
+          <p:cNvPr id="5" name="椭圆 4"/>
           <p:cNvSpPr/>
           <p:nvPr/>
         </p:nvSpPr>
@@ -3639,6 +3203,7 @@
               <a:rPr lang="en-US" altLang="zh-CN" sz="1600" dirty="0"/>
               <a:t>Producer </a:t>
             </a:r>
+            <a:endParaRPr lang="en-US" altLang="zh-CN" sz="1600" dirty="0"/>
           </a:p>
           <a:p>
             <a:pPr algn="ctr"/>
@@ -3652,13 +3217,7 @@
       </p:sp>
       <p:sp>
         <p:nvSpPr>
-          <p:cNvPr id="6" name="圆柱体 5">
-            <a:extLst>
-              <a:ext uri="{FF2B5EF4-FFF2-40B4-BE49-F238E27FC236}">
-                <a16:creationId xmlns:a16="http://schemas.microsoft.com/office/drawing/2014/main" id="{D7463192-3A18-3ED7-D2E5-E1AEC6657B26}"/>
-              </a:ext>
-            </a:extLst>
-          </p:cNvPr>
+          <p:cNvPr id="6" name="圆柱体 5"/>
           <p:cNvSpPr/>
           <p:nvPr/>
         </p:nvSpPr>
@@ -3700,13 +3259,7 @@
       </p:sp>
       <p:cxnSp>
         <p:nvCxnSpPr>
-          <p:cNvPr id="8" name="直接箭头连接符 7">
-            <a:extLst>
-              <a:ext uri="{FF2B5EF4-FFF2-40B4-BE49-F238E27FC236}">
-                <a16:creationId xmlns:a16="http://schemas.microsoft.com/office/drawing/2014/main" id="{501B9A85-C880-78C4-629C-D6279CF58BBF}"/>
-              </a:ext>
-            </a:extLst>
-          </p:cNvPr>
+          <p:cNvPr id="8" name="直接箭头连接符 7"/>
           <p:cNvCxnSpPr>
             <a:stCxn id="4" idx="6"/>
             <a:endCxn id="6" idx="2"/>
@@ -3742,13 +3295,7 @@
       </p:cxnSp>
       <p:cxnSp>
         <p:nvCxnSpPr>
-          <p:cNvPr id="10" name="直接箭头连接符 9">
-            <a:extLst>
-              <a:ext uri="{FF2B5EF4-FFF2-40B4-BE49-F238E27FC236}">
-                <a16:creationId xmlns:a16="http://schemas.microsoft.com/office/drawing/2014/main" id="{896E5702-DCF5-8215-5DA9-CA4CC9CE3D58}"/>
-              </a:ext>
-            </a:extLst>
-          </p:cNvPr>
+          <p:cNvPr id="10" name="直接箭头连接符 9"/>
           <p:cNvCxnSpPr>
             <a:stCxn id="5" idx="6"/>
             <a:endCxn id="6" idx="2"/>
@@ -3784,13 +3331,7 @@
       </p:cxnSp>
       <p:sp>
         <p:nvSpPr>
-          <p:cNvPr id="11" name="矩形 10">
-            <a:extLst>
-              <a:ext uri="{FF2B5EF4-FFF2-40B4-BE49-F238E27FC236}">
-                <a16:creationId xmlns:a16="http://schemas.microsoft.com/office/drawing/2014/main" id="{D69DFBDA-0669-B635-3FAB-3067883FFFB5}"/>
-              </a:ext>
-            </a:extLst>
-          </p:cNvPr>
+          <p:cNvPr id="11" name="矩形 10"/>
           <p:cNvSpPr/>
           <p:nvPr/>
         </p:nvSpPr>
@@ -3832,13 +3373,7 @@
       </p:sp>
       <p:sp>
         <p:nvSpPr>
-          <p:cNvPr id="12" name="矩形 11">
-            <a:extLst>
-              <a:ext uri="{FF2B5EF4-FFF2-40B4-BE49-F238E27FC236}">
-                <a16:creationId xmlns:a16="http://schemas.microsoft.com/office/drawing/2014/main" id="{2670DDEB-F2DF-AACA-EF50-2BF953E69292}"/>
-              </a:ext>
-            </a:extLst>
-          </p:cNvPr>
+          <p:cNvPr id="12" name="矩形 11"/>
           <p:cNvSpPr/>
           <p:nvPr/>
         </p:nvSpPr>
@@ -3880,13 +3415,7 @@
       </p:sp>
       <p:sp>
         <p:nvSpPr>
-          <p:cNvPr id="13" name="矩形 12">
-            <a:extLst>
-              <a:ext uri="{FF2B5EF4-FFF2-40B4-BE49-F238E27FC236}">
-                <a16:creationId xmlns:a16="http://schemas.microsoft.com/office/drawing/2014/main" id="{5AE57654-4D52-B493-CEB9-98F8C7BC4BF2}"/>
-              </a:ext>
-            </a:extLst>
-          </p:cNvPr>
+          <p:cNvPr id="13" name="矩形 12"/>
           <p:cNvSpPr/>
           <p:nvPr/>
         </p:nvSpPr>
@@ -3928,13 +3457,7 @@
       </p:sp>
       <p:sp>
         <p:nvSpPr>
-          <p:cNvPr id="14" name="矩形 13">
-            <a:extLst>
-              <a:ext uri="{FF2B5EF4-FFF2-40B4-BE49-F238E27FC236}">
-                <a16:creationId xmlns:a16="http://schemas.microsoft.com/office/drawing/2014/main" id="{26E5D139-74C9-DD8F-9FD7-D5FD23D1D14F}"/>
-              </a:ext>
-            </a:extLst>
-          </p:cNvPr>
+          <p:cNvPr id="14" name="矩形 13"/>
           <p:cNvSpPr/>
           <p:nvPr/>
         </p:nvSpPr>
@@ -3976,13 +3499,7 @@
       </p:sp>
       <p:cxnSp>
         <p:nvCxnSpPr>
-          <p:cNvPr id="16" name="连接符: 曲线 15">
-            <a:extLst>
-              <a:ext uri="{FF2B5EF4-FFF2-40B4-BE49-F238E27FC236}">
-                <a16:creationId xmlns:a16="http://schemas.microsoft.com/office/drawing/2014/main" id="{7DFC4EEF-8C1B-7C00-9A9E-2EC04678AAFB}"/>
-              </a:ext>
-            </a:extLst>
-          </p:cNvPr>
+          <p:cNvPr id="16" name="连接符: 曲线 15"/>
           <p:cNvCxnSpPr>
             <a:stCxn id="6" idx="1"/>
             <a:endCxn id="4" idx="0"/>
@@ -4020,13 +3537,7 @@
       </p:cxnSp>
       <p:cxnSp>
         <p:nvCxnSpPr>
-          <p:cNvPr id="20" name="连接符: 曲线 19">
-            <a:extLst>
-              <a:ext uri="{FF2B5EF4-FFF2-40B4-BE49-F238E27FC236}">
-                <a16:creationId xmlns:a16="http://schemas.microsoft.com/office/drawing/2014/main" id="{1B38D20A-528E-9F92-A05B-1D3161A9BB8A}"/>
-              </a:ext>
-            </a:extLst>
-          </p:cNvPr>
+          <p:cNvPr id="20" name="连接符: 曲线 19"/>
           <p:cNvCxnSpPr>
             <a:stCxn id="6" idx="3"/>
             <a:endCxn id="5" idx="4"/>
@@ -4063,16 +3574,759 @@
         </p:style>
       </p:cxnSp>
     </p:spTree>
-    <p:extLst>
-      <p:ext uri="{BB962C8B-B14F-4D97-AF65-F5344CB8AC3E}">
-        <p14:creationId xmlns:p14="http://schemas.microsoft.com/office/powerpoint/2010/main" val="209687528"/>
-      </p:ext>
-    </p:extLst>
   </p:cSld>
   <p:clrMapOvr>
     <a:masterClrMapping/>
   </p:clrMapOvr>
 </p:sld>
+</file>
+
+<file path=ppt/slides/slide3.xml><?xml version="1.0" encoding="utf-8"?>
+<p:sld xmlns:a="http://schemas.openxmlformats.org/drawingml/2006/main" xmlns:r="http://schemas.openxmlformats.org/officeDocument/2006/relationships" xmlns:p="http://schemas.openxmlformats.org/presentationml/2006/main">
+  <p:cSld>
+    <p:spTree>
+      <p:nvGrpSpPr>
+        <p:cNvPr id="1" name=""/>
+        <p:cNvGrpSpPr/>
+        <p:nvPr/>
+      </p:nvGrpSpPr>
+      <p:grpSpPr/>
+      <p:sp>
+        <p:nvSpPr>
+          <p:cNvPr id="4" name="圆角矩形 3"/>
+          <p:cNvSpPr/>
+          <p:nvPr/>
+        </p:nvSpPr>
+        <p:spPr>
+          <a:xfrm>
+            <a:off x="466090" y="408305"/>
+            <a:ext cx="1643380" cy="955040"/>
+          </a:xfrm>
+          <a:prstGeom prst="roundRect">
+            <a:avLst/>
+          </a:prstGeom>
+        </p:spPr>
+        <p:style>
+          <a:lnRef idx="1">
+            <a:schemeClr val="accent6"/>
+          </a:lnRef>
+          <a:fillRef idx="3">
+            <a:schemeClr val="accent6"/>
+          </a:fillRef>
+          <a:effectRef idx="2">
+            <a:schemeClr val="accent6"/>
+          </a:effectRef>
+          <a:fontRef idx="minor">
+            <a:schemeClr val="lt1"/>
+          </a:fontRef>
+        </p:style>
+        <p:txBody>
+          <a:bodyPr rtlCol="0" anchor="ctr"/>
+          <a:p>
+            <a:pPr algn="ctr"/>
+            <a:r>
+              <a:rPr lang="zh-CN" altLang="en-US"/>
+              <a:t>生产者</a:t>
+            </a:r>
+            <a:endParaRPr lang="zh-CN" altLang="en-US"/>
+          </a:p>
+        </p:txBody>
+      </p:sp>
+      <p:sp>
+        <p:nvSpPr>
+          <p:cNvPr id="6" name="圆角矩形 5"/>
+          <p:cNvSpPr/>
+          <p:nvPr>
+            <p:custDataLst>
+              <p:tags r:id="rId1"/>
+            </p:custDataLst>
+          </p:nvPr>
+        </p:nvSpPr>
+        <p:spPr>
+          <a:xfrm>
+            <a:off x="466090" y="5163185"/>
+            <a:ext cx="1643380" cy="955040"/>
+          </a:xfrm>
+          <a:prstGeom prst="roundRect">
+            <a:avLst/>
+          </a:prstGeom>
+        </p:spPr>
+        <p:style>
+          <a:lnRef idx="1">
+            <a:schemeClr val="accent2"/>
+          </a:lnRef>
+          <a:fillRef idx="3">
+            <a:schemeClr val="accent2"/>
+          </a:fillRef>
+          <a:effectRef idx="2">
+            <a:schemeClr val="accent2"/>
+          </a:effectRef>
+          <a:fontRef idx="minor">
+            <a:schemeClr val="lt1"/>
+          </a:fontRef>
+        </p:style>
+        <p:txBody>
+          <a:bodyPr rtlCol="0" anchor="ctr"/>
+          <a:p>
+            <a:pPr algn="ctr"/>
+            <a:r>
+              <a:rPr lang="zh-CN" altLang="en-US"/>
+              <a:t>消费者</a:t>
+            </a:r>
+            <a:endParaRPr lang="zh-CN" altLang="en-US"/>
+          </a:p>
+        </p:txBody>
+      </p:sp>
+      <p:sp>
+        <p:nvSpPr>
+          <p:cNvPr id="7" name="六边形 6"/>
+          <p:cNvSpPr/>
+          <p:nvPr/>
+        </p:nvSpPr>
+        <p:spPr>
+          <a:xfrm>
+            <a:off x="3061335" y="1868170"/>
+            <a:ext cx="1842770" cy="887095"/>
+          </a:xfrm>
+          <a:prstGeom prst="hexagon">
+            <a:avLst/>
+          </a:prstGeom>
+        </p:spPr>
+        <p:style>
+          <a:lnRef idx="1">
+            <a:schemeClr val="accent4"/>
+          </a:lnRef>
+          <a:fillRef idx="3">
+            <a:schemeClr val="accent4"/>
+          </a:fillRef>
+          <a:effectRef idx="2">
+            <a:schemeClr val="accent4"/>
+          </a:effectRef>
+          <a:fontRef idx="minor">
+            <a:schemeClr val="lt1"/>
+          </a:fontRef>
+        </p:style>
+        <p:txBody>
+          <a:bodyPr rtlCol="0" anchor="ctr"/>
+          <a:p>
+            <a:pPr algn="ctr"/>
+            <a:r>
+              <a:rPr lang="en-US" altLang="zh-CN"/>
+              <a:t>trace.ex</a:t>
+            </a:r>
+            <a:endParaRPr lang="zh-CN" altLang="en-US"/>
+          </a:p>
+          <a:p>
+            <a:pPr algn="ctr"/>
+            <a:r>
+              <a:rPr lang="en-US" altLang="zh-CN"/>
+              <a:t>(</a:t>
+            </a:r>
+            <a:r>
+              <a:rPr lang="zh-CN" altLang="en-US"/>
+              <a:t>交换器</a:t>
+            </a:r>
+            <a:r>
+              <a:rPr lang="en-US" altLang="zh-CN"/>
+              <a:t>)</a:t>
+            </a:r>
+            <a:endParaRPr lang="en-US" altLang="zh-CN"/>
+          </a:p>
+        </p:txBody>
+      </p:sp>
+      <p:sp>
+        <p:nvSpPr>
+          <p:cNvPr id="8" name="矩形 7"/>
+          <p:cNvSpPr/>
+          <p:nvPr/>
+        </p:nvSpPr>
+        <p:spPr>
+          <a:xfrm>
+            <a:off x="3061335" y="3697605"/>
+            <a:ext cx="1884045" cy="845185"/>
+          </a:xfrm>
+          <a:prstGeom prst="rect">
+            <a:avLst/>
+          </a:prstGeom>
+        </p:spPr>
+        <p:style>
+          <a:lnRef idx="1">
+            <a:schemeClr val="accent5"/>
+          </a:lnRef>
+          <a:fillRef idx="3">
+            <a:schemeClr val="accent5"/>
+          </a:fillRef>
+          <a:effectRef idx="2">
+            <a:schemeClr val="accent5"/>
+          </a:effectRef>
+          <a:fontRef idx="minor">
+            <a:schemeClr val="lt1"/>
+          </a:fontRef>
+        </p:style>
+        <p:txBody>
+          <a:bodyPr rtlCol="0" anchor="ctr"/>
+          <a:p>
+            <a:pPr algn="ctr"/>
+            <a:r>
+              <a:rPr lang="en-US" altLang="zh-CN"/>
+              <a:t>trace.qu</a:t>
+            </a:r>
+            <a:endParaRPr lang="en-US" altLang="zh-CN"/>
+          </a:p>
+          <a:p>
+            <a:pPr algn="ctr"/>
+            <a:r>
+              <a:rPr lang="en-US" altLang="zh-CN"/>
+              <a:t>(</a:t>
+            </a:r>
+            <a:r>
+              <a:rPr lang="zh-CN" altLang="zh-CN"/>
+              <a:t>队列</a:t>
+            </a:r>
+            <a:r>
+              <a:rPr lang="en-US" altLang="zh-CN"/>
+              <a:t>)</a:t>
+            </a:r>
+            <a:endParaRPr lang="en-US" altLang="zh-CN"/>
+          </a:p>
+        </p:txBody>
+      </p:sp>
+      <p:cxnSp>
+        <p:nvCxnSpPr>
+          <p:cNvPr id="9" name="直接箭头连接符 8"/>
+          <p:cNvCxnSpPr>
+            <a:stCxn id="4" idx="3"/>
+          </p:cNvCxnSpPr>
+          <p:nvPr/>
+        </p:nvCxnSpPr>
+        <p:spPr>
+          <a:xfrm>
+            <a:off x="2109470" y="885825"/>
+            <a:ext cx="1824990" cy="969010"/>
+          </a:xfrm>
+          <a:prstGeom prst="straightConnector1">
+            <a:avLst/>
+          </a:prstGeom>
+          <a:ln>
+            <a:tailEnd type="arrow" w="med" len="med"/>
+          </a:ln>
+        </p:spPr>
+        <p:style>
+          <a:lnRef idx="3">
+            <a:schemeClr val="accent6"/>
+          </a:lnRef>
+          <a:fillRef idx="0">
+            <a:schemeClr val="accent6"/>
+          </a:fillRef>
+          <a:effectRef idx="2">
+            <a:schemeClr val="accent6"/>
+          </a:effectRef>
+          <a:fontRef idx="minor">
+            <a:schemeClr val="tx1"/>
+          </a:fontRef>
+        </p:style>
+      </p:cxnSp>
+      <p:cxnSp>
+        <p:nvCxnSpPr>
+          <p:cNvPr id="11" name="直接箭头连接符 10"/>
+          <p:cNvCxnSpPr>
+            <a:endCxn id="8" idx="0"/>
+          </p:cNvCxnSpPr>
+          <p:nvPr/>
+        </p:nvCxnSpPr>
+        <p:spPr>
+          <a:xfrm>
+            <a:off x="4003675" y="2755900"/>
+            <a:ext cx="0" cy="941705"/>
+          </a:xfrm>
+          <a:prstGeom prst="straightConnector1">
+            <a:avLst/>
+          </a:prstGeom>
+          <a:ln>
+            <a:tailEnd type="arrow" w="med" len="med"/>
+          </a:ln>
+        </p:spPr>
+        <p:style>
+          <a:lnRef idx="3">
+            <a:schemeClr val="accent1"/>
+          </a:lnRef>
+          <a:fillRef idx="0">
+            <a:schemeClr val="accent1"/>
+          </a:fillRef>
+          <a:effectRef idx="2">
+            <a:schemeClr val="accent1"/>
+          </a:effectRef>
+          <a:fontRef idx="minor">
+            <a:schemeClr val="tx1"/>
+          </a:fontRef>
+        </p:style>
+      </p:cxnSp>
+      <p:cxnSp>
+        <p:nvCxnSpPr>
+          <p:cNvPr id="12" name="直接箭头连接符 11"/>
+          <p:cNvCxnSpPr>
+            <a:stCxn id="8" idx="2"/>
+            <a:endCxn id="6" idx="0"/>
+          </p:cNvCxnSpPr>
+          <p:nvPr/>
+        </p:nvCxnSpPr>
+        <p:spPr>
+          <a:xfrm flipH="1">
+            <a:off x="1287780" y="4542790"/>
+            <a:ext cx="2715895" cy="620395"/>
+          </a:xfrm>
+          <a:prstGeom prst="straightConnector1">
+            <a:avLst/>
+          </a:prstGeom>
+          <a:ln>
+            <a:tailEnd type="arrow" w="med" len="med"/>
+          </a:ln>
+        </p:spPr>
+        <p:style>
+          <a:lnRef idx="3">
+            <a:schemeClr val="accent2"/>
+          </a:lnRef>
+          <a:fillRef idx="0">
+            <a:schemeClr val="accent2"/>
+          </a:fillRef>
+          <a:effectRef idx="2">
+            <a:schemeClr val="accent2"/>
+          </a:effectRef>
+          <a:fontRef idx="minor">
+            <a:schemeClr val="tx1"/>
+          </a:fontRef>
+        </p:style>
+      </p:cxnSp>
+      <p:sp>
+        <p:nvSpPr>
+          <p:cNvPr id="13" name="六边形 12"/>
+          <p:cNvSpPr/>
+          <p:nvPr/>
+        </p:nvSpPr>
+        <p:spPr>
+          <a:xfrm>
+            <a:off x="5943600" y="2755900"/>
+            <a:ext cx="1870075" cy="845820"/>
+          </a:xfrm>
+          <a:prstGeom prst="hexagon">
+            <a:avLst/>
+          </a:prstGeom>
+        </p:spPr>
+        <p:style>
+          <a:lnRef idx="2">
+            <a:schemeClr val="accent1">
+              <a:shade val="50000"/>
+            </a:schemeClr>
+          </a:lnRef>
+          <a:fillRef idx="1">
+            <a:schemeClr val="accent1"/>
+          </a:fillRef>
+          <a:effectRef idx="0">
+            <a:schemeClr val="accent1"/>
+          </a:effectRef>
+          <a:fontRef idx="minor">
+            <a:schemeClr val="lt1"/>
+          </a:fontRef>
+        </p:style>
+        <p:txBody>
+          <a:bodyPr lIns="0" tIns="0" rIns="0" bIns="0" rtlCol="0" anchor="ctr"/>
+          <a:p>
+            <a:pPr algn="ctr"/>
+            <a:r>
+              <a:rPr lang="en-US" altLang="en-US"/>
+              <a:t>amq.rabbitmq.trace</a:t>
+            </a:r>
+            <a:endParaRPr lang="en-US" altLang="en-US"/>
+          </a:p>
+        </p:txBody>
+      </p:sp>
+      <p:cxnSp>
+        <p:nvCxnSpPr>
+          <p:cNvPr id="15" name="直接箭头连接符 14"/>
+          <p:cNvCxnSpPr>
+            <a:stCxn id="7" idx="0"/>
+            <a:endCxn id="13" idx="4"/>
+          </p:cNvCxnSpPr>
+          <p:nvPr>
+            <p:custDataLst>
+              <p:tags r:id="rId2"/>
+            </p:custDataLst>
+          </p:nvPr>
+        </p:nvCxnSpPr>
+        <p:spPr>
+          <a:xfrm>
+            <a:off x="4904105" y="2312035"/>
+            <a:ext cx="1250950" cy="443865"/>
+          </a:xfrm>
+          <a:prstGeom prst="straightConnector1">
+            <a:avLst/>
+          </a:prstGeom>
+          <a:ln>
+            <a:tailEnd type="arrow" w="med" len="med"/>
+          </a:ln>
+        </p:spPr>
+        <p:style>
+          <a:lnRef idx="3">
+            <a:schemeClr val="accent6"/>
+          </a:lnRef>
+          <a:fillRef idx="0">
+            <a:schemeClr val="accent6"/>
+          </a:fillRef>
+          <a:effectRef idx="2">
+            <a:schemeClr val="accent6"/>
+          </a:effectRef>
+          <a:fontRef idx="minor">
+            <a:schemeClr val="tx1"/>
+          </a:fontRef>
+        </p:style>
+      </p:cxnSp>
+      <p:cxnSp>
+        <p:nvCxnSpPr>
+          <p:cNvPr id="16" name="直接箭头连接符 15"/>
+          <p:cNvCxnSpPr>
+            <a:stCxn id="8" idx="3"/>
+            <a:endCxn id="13" idx="2"/>
+          </p:cNvCxnSpPr>
+          <p:nvPr>
+            <p:custDataLst>
+              <p:tags r:id="rId3"/>
+            </p:custDataLst>
+          </p:nvPr>
+        </p:nvCxnSpPr>
+        <p:spPr>
+          <a:xfrm flipV="1">
+            <a:off x="4945380" y="3601720"/>
+            <a:ext cx="1209675" cy="518795"/>
+          </a:xfrm>
+          <a:prstGeom prst="straightConnector1">
+            <a:avLst/>
+          </a:prstGeom>
+          <a:ln>
+            <a:tailEnd type="arrow" w="med" len="med"/>
+          </a:ln>
+        </p:spPr>
+        <p:style>
+          <a:lnRef idx="3">
+            <a:schemeClr val="accent2"/>
+          </a:lnRef>
+          <a:fillRef idx="0">
+            <a:schemeClr val="accent2"/>
+          </a:fillRef>
+          <a:effectRef idx="2">
+            <a:schemeClr val="accent2"/>
+          </a:effectRef>
+          <a:fontRef idx="minor">
+            <a:schemeClr val="tx1"/>
+          </a:fontRef>
+        </p:style>
+      </p:cxnSp>
+      <p:sp>
+        <p:nvSpPr>
+          <p:cNvPr id="17" name="矩形 16"/>
+          <p:cNvSpPr/>
+          <p:nvPr>
+            <p:custDataLst>
+              <p:tags r:id="rId4"/>
+            </p:custDataLst>
+          </p:nvPr>
+        </p:nvSpPr>
+        <p:spPr>
+          <a:xfrm>
+            <a:off x="8938260" y="1258570"/>
+            <a:ext cx="1884045" cy="845185"/>
+          </a:xfrm>
+          <a:prstGeom prst="rect">
+            <a:avLst/>
+          </a:prstGeom>
+        </p:spPr>
+        <p:style>
+          <a:lnRef idx="1">
+            <a:schemeClr val="accent5"/>
+          </a:lnRef>
+          <a:fillRef idx="3">
+            <a:schemeClr val="accent5"/>
+          </a:fillRef>
+          <a:effectRef idx="2">
+            <a:schemeClr val="accent5"/>
+          </a:effectRef>
+          <a:fontRef idx="minor">
+            <a:schemeClr val="lt1"/>
+          </a:fontRef>
+        </p:style>
+        <p:txBody>
+          <a:bodyPr rtlCol="0" anchor="ctr"/>
+          <a:p>
+            <a:pPr algn="ctr"/>
+            <a:r>
+              <a:rPr lang="en-US" altLang="zh-CN"/>
+              <a:t>publishtrace</a:t>
+            </a:r>
+            <a:endParaRPr lang="en-US" altLang="zh-CN"/>
+          </a:p>
+          <a:p>
+            <a:pPr algn="ctr"/>
+            <a:r>
+              <a:rPr lang="zh-CN" altLang="zh-CN"/>
+              <a:t>保留的生产消息</a:t>
+            </a:r>
+            <a:endParaRPr lang="zh-CN" altLang="zh-CN"/>
+          </a:p>
+        </p:txBody>
+      </p:sp>
+      <p:sp>
+        <p:nvSpPr>
+          <p:cNvPr id="18" name="矩形 17"/>
+          <p:cNvSpPr/>
+          <p:nvPr>
+            <p:custDataLst>
+              <p:tags r:id="rId5"/>
+            </p:custDataLst>
+          </p:nvPr>
+        </p:nvSpPr>
+        <p:spPr>
+          <a:xfrm>
+            <a:off x="9065260" y="4318000"/>
+            <a:ext cx="1884045" cy="845185"/>
+          </a:xfrm>
+          <a:prstGeom prst="rect">
+            <a:avLst/>
+          </a:prstGeom>
+        </p:spPr>
+        <p:style>
+          <a:lnRef idx="1">
+            <a:schemeClr val="accent5"/>
+          </a:lnRef>
+          <a:fillRef idx="3">
+            <a:schemeClr val="accent5"/>
+          </a:fillRef>
+          <a:effectRef idx="2">
+            <a:schemeClr val="accent5"/>
+          </a:effectRef>
+          <a:fontRef idx="minor">
+            <a:schemeClr val="lt1"/>
+          </a:fontRef>
+        </p:style>
+        <p:txBody>
+          <a:bodyPr rtlCol="0" anchor="ctr"/>
+          <a:p>
+            <a:pPr algn="ctr"/>
+            <a:r>
+              <a:rPr lang="en-US" altLang="zh-CN"/>
+              <a:t>dekuvertrace</a:t>
+            </a:r>
+            <a:endParaRPr lang="en-US" altLang="zh-CN"/>
+          </a:p>
+          <a:p>
+            <a:pPr algn="ctr"/>
+            <a:r>
+              <a:rPr lang="zh-CN" altLang="en-US"/>
+              <a:t>保留的接收消息</a:t>
+            </a:r>
+            <a:endParaRPr lang="zh-CN" altLang="en-US"/>
+          </a:p>
+        </p:txBody>
+      </p:sp>
+      <p:cxnSp>
+        <p:nvCxnSpPr>
+          <p:cNvPr id="19" name="直接箭头连接符 18"/>
+          <p:cNvCxnSpPr>
+            <a:endCxn id="17" idx="1"/>
+          </p:cNvCxnSpPr>
+          <p:nvPr>
+            <p:custDataLst>
+              <p:tags r:id="rId6"/>
+            </p:custDataLst>
+          </p:nvPr>
+        </p:nvCxnSpPr>
+        <p:spPr>
+          <a:xfrm flipV="1">
+            <a:off x="7580630" y="1681480"/>
+            <a:ext cx="1357630" cy="1073785"/>
+          </a:xfrm>
+          <a:prstGeom prst="straightConnector1">
+            <a:avLst/>
+          </a:prstGeom>
+          <a:ln>
+            <a:tailEnd type="arrow" w="med" len="med"/>
+          </a:ln>
+        </p:spPr>
+        <p:style>
+          <a:lnRef idx="3">
+            <a:schemeClr val="accent6"/>
+          </a:lnRef>
+          <a:fillRef idx="0">
+            <a:schemeClr val="accent6"/>
+          </a:fillRef>
+          <a:effectRef idx="2">
+            <a:schemeClr val="accent6"/>
+          </a:effectRef>
+          <a:fontRef idx="minor">
+            <a:schemeClr val="tx1"/>
+          </a:fontRef>
+        </p:style>
+      </p:cxnSp>
+      <p:cxnSp>
+        <p:nvCxnSpPr>
+          <p:cNvPr id="20" name="直接箭头连接符 19"/>
+          <p:cNvCxnSpPr>
+            <a:endCxn id="18" idx="1"/>
+          </p:cNvCxnSpPr>
+          <p:nvPr>
+            <p:custDataLst>
+              <p:tags r:id="rId7"/>
+            </p:custDataLst>
+          </p:nvPr>
+        </p:nvCxnSpPr>
+        <p:spPr>
+          <a:xfrm>
+            <a:off x="7580630" y="3601720"/>
+            <a:ext cx="1484630" cy="1139190"/>
+          </a:xfrm>
+          <a:prstGeom prst="straightConnector1">
+            <a:avLst/>
+          </a:prstGeom>
+          <a:ln>
+            <a:tailEnd type="arrow" w="med" len="med"/>
+          </a:ln>
+        </p:spPr>
+        <p:style>
+          <a:lnRef idx="3">
+            <a:schemeClr val="accent6"/>
+          </a:lnRef>
+          <a:fillRef idx="0">
+            <a:schemeClr val="accent6"/>
+          </a:fillRef>
+          <a:effectRef idx="2">
+            <a:schemeClr val="accent6"/>
+          </a:effectRef>
+          <a:fontRef idx="minor">
+            <a:schemeClr val="tx1"/>
+          </a:fontRef>
+        </p:style>
+      </p:cxnSp>
+      <p:sp>
+        <p:nvSpPr>
+          <p:cNvPr id="21" name="文本框 20"/>
+          <p:cNvSpPr txBox="1"/>
+          <p:nvPr/>
+        </p:nvSpPr>
+        <p:spPr>
+          <a:xfrm>
+            <a:off x="7357110" y="2245995"/>
+            <a:ext cx="1931035" cy="368300"/>
+          </a:xfrm>
+          <a:prstGeom prst="rect">
+            <a:avLst/>
+          </a:prstGeom>
+          <a:noFill/>
+        </p:spPr>
+        <p:txBody>
+          <a:bodyPr wrap="square" rtlCol="0">
+            <a:spAutoFit/>
+          </a:bodyPr>
+          <a:p>
+            <a:r>
+              <a:rPr lang="en-US" altLang="zh-CN"/>
+              <a:t>publish.trace.ex</a:t>
+            </a:r>
+            <a:endParaRPr lang="en-US" altLang="zh-CN"/>
+          </a:p>
+        </p:txBody>
+      </p:sp>
+      <p:sp>
+        <p:nvSpPr>
+          <p:cNvPr id="22" name="文本框 21"/>
+          <p:cNvSpPr txBox="1"/>
+          <p:nvPr>
+            <p:custDataLst>
+              <p:tags r:id="rId8"/>
+            </p:custDataLst>
+          </p:nvPr>
+        </p:nvSpPr>
+        <p:spPr>
+          <a:xfrm>
+            <a:off x="7357110" y="3752215"/>
+            <a:ext cx="1931035" cy="368300"/>
+          </a:xfrm>
+          <a:prstGeom prst="rect">
+            <a:avLst/>
+          </a:prstGeom>
+          <a:noFill/>
+        </p:spPr>
+        <p:txBody>
+          <a:bodyPr wrap="square" rtlCol="0">
+            <a:spAutoFit/>
+          </a:bodyPr>
+          <a:p>
+            <a:r>
+              <a:rPr lang="en-US" altLang="zh-CN"/>
+              <a:t>deliver.trace.qu</a:t>
+            </a:r>
+            <a:endParaRPr lang="en-US" altLang="zh-CN"/>
+          </a:p>
+        </p:txBody>
+      </p:sp>
+    </p:spTree>
+  </p:cSld>
+  <p:clrMapOvr>
+    <a:masterClrMapping/>
+  </p:clrMapOvr>
+</p:sld>
+</file>
+
+<file path=ppt/tags/tag1.xml><?xml version="1.0" encoding="utf-8"?>
+<p:tagLst xmlns:p="http://schemas.openxmlformats.org/presentationml/2006/main">
+  <p:tag name="KSO_WM_BEAUTIFY_FLAG" val=""/>
+</p:tagLst>
+</file>
+
+<file path=ppt/tags/tag2.xml><?xml version="1.0" encoding="utf-8"?>
+<p:tagLst xmlns:p="http://schemas.openxmlformats.org/presentationml/2006/main">
+  <p:tag name="KSO_WM_BEAUTIFY_FLAG" val=""/>
+</p:tagLst>
+</file>
+
+<file path=ppt/tags/tag3.xml><?xml version="1.0" encoding="utf-8"?>
+<p:tagLst xmlns:p="http://schemas.openxmlformats.org/presentationml/2006/main">
+  <p:tag name="KSO_WM_BEAUTIFY_FLAG" val=""/>
+</p:tagLst>
+</file>
+
+<file path=ppt/tags/tag4.xml><?xml version="1.0" encoding="utf-8"?>
+<p:tagLst xmlns:p="http://schemas.openxmlformats.org/presentationml/2006/main">
+  <p:tag name="KSO_WM_BEAUTIFY_FLAG" val=""/>
+</p:tagLst>
+</file>
+
+<file path=ppt/tags/tag5.xml><?xml version="1.0" encoding="utf-8"?>
+<p:tagLst xmlns:p="http://schemas.openxmlformats.org/presentationml/2006/main">
+  <p:tag name="KSO_WM_BEAUTIFY_FLAG" val=""/>
+</p:tagLst>
+</file>
+
+<file path=ppt/tags/tag6.xml><?xml version="1.0" encoding="utf-8"?>
+<p:tagLst xmlns:p="http://schemas.openxmlformats.org/presentationml/2006/main">
+  <p:tag name="KSO_WM_BEAUTIFY_FLAG" val=""/>
+</p:tagLst>
+</file>
+
+<file path=ppt/tags/tag7.xml><?xml version="1.0" encoding="utf-8"?>
+<p:tagLst xmlns:p="http://schemas.openxmlformats.org/presentationml/2006/main">
+  <p:tag name="KSO_WM_BEAUTIFY_FLAG" val=""/>
+</p:tagLst>
+</file>
+
+<file path=ppt/tags/tag8.xml><?xml version="1.0" encoding="utf-8"?>
+<p:tagLst xmlns:p="http://schemas.openxmlformats.org/presentationml/2006/main">
+  <p:tag name="KSO_WM_BEAUTIFY_FLAG" val=""/>
+</p:tagLst>
+</file>
+
+<file path=ppt/tags/tag9.xml><?xml version="1.0" encoding="utf-8"?>
+<p:tagLst xmlns:p="http://schemas.openxmlformats.org/presentationml/2006/main">
+  <p:tag name="KSO_WPP_MARK_KEY" val="f85e522e-3cd0-4586-8835-0f7fc239d415"/>
+  <p:tag name="COMMONDATA" val="eyJoZGlkIjoiMjdjYzBiM2JmMDdiNmE0MzdmZGUxMTJkZmU5Yzk1NGMifQ=="/>
+</p:tagLst>
 </file>
 
 <file path=ppt/theme/theme1.xml><?xml version="1.0" encoding="utf-8"?>
@@ -4118,7 +4372,7 @@
     </a:clrScheme>
     <a:fontScheme name="Office">
       <a:majorFont>
-        <a:latin typeface="等线 Light" panose="020F0302020204030204"/>
+        <a:latin typeface="等线 Light"/>
         <a:ea typeface=""/>
         <a:cs typeface=""/>
         <a:font script="Jpan" typeface="游ゴシック Light"/>
@@ -4151,26 +4405,9 @@
         <a:font script="Viet" typeface="Times New Roman"/>
         <a:font script="Uigh" typeface="Microsoft Uighur"/>
         <a:font script="Geor" typeface="Sylfaen"/>
-        <a:font script="Armn" typeface="Arial"/>
-        <a:font script="Bugi" typeface="Leelawadee UI"/>
-        <a:font script="Bopo" typeface="Microsoft JhengHei"/>
-        <a:font script="Java" typeface="Javanese Text"/>
-        <a:font script="Lisu" typeface="Segoe UI"/>
-        <a:font script="Mymr" typeface="Myanmar Text"/>
-        <a:font script="Nkoo" typeface="Ebrima"/>
-        <a:font script="Olck" typeface="Nirmala UI"/>
-        <a:font script="Osma" typeface="Ebrima"/>
-        <a:font script="Phag" typeface="Phagspa"/>
-        <a:font script="Syrn" typeface="Estrangelo Edessa"/>
-        <a:font script="Syrj" typeface="Estrangelo Edessa"/>
-        <a:font script="Syre" typeface="Estrangelo Edessa"/>
-        <a:font script="Sora" typeface="Nirmala UI"/>
-        <a:font script="Tale" typeface="Microsoft Tai Le"/>
-        <a:font script="Talu" typeface="Microsoft New Tai Lue"/>
-        <a:font script="Tfng" typeface="Ebrima"/>
       </a:majorFont>
       <a:minorFont>
-        <a:latin typeface="等线" panose="020F0502020204030204"/>
+        <a:latin typeface="等线"/>
         <a:ea typeface=""/>
         <a:cs typeface=""/>
         <a:font script="Jpan" typeface="游ゴシック"/>
@@ -4203,23 +4440,6 @@
         <a:font script="Viet" typeface="Arial"/>
         <a:font script="Uigh" typeface="Microsoft Uighur"/>
         <a:font script="Geor" typeface="Sylfaen"/>
-        <a:font script="Armn" typeface="Arial"/>
-        <a:font script="Bugi" typeface="Leelawadee UI"/>
-        <a:font script="Bopo" typeface="Microsoft JhengHei"/>
-        <a:font script="Java" typeface="Javanese Text"/>
-        <a:font script="Lisu" typeface="Segoe UI"/>
-        <a:font script="Mymr" typeface="Myanmar Text"/>
-        <a:font script="Nkoo" typeface="Ebrima"/>
-        <a:font script="Olck" typeface="Nirmala UI"/>
-        <a:font script="Osma" typeface="Ebrima"/>
-        <a:font script="Phag" typeface="Phagspa"/>
-        <a:font script="Syrn" typeface="Estrangelo Edessa"/>
-        <a:font script="Syrj" typeface="Estrangelo Edessa"/>
-        <a:font script="Syre" typeface="Estrangelo Edessa"/>
-        <a:font script="Sora" typeface="Nirmala UI"/>
-        <a:font script="Tale" typeface="Microsoft Tai Le"/>
-        <a:font script="Talu" typeface="Microsoft New Tai Lue"/>
-        <a:font script="Tfng" typeface="Ebrima"/>
       </a:minorFont>
     </a:fontScheme>
     <a:fmtScheme name="Office">
@@ -4360,8 +4580,6 @@
       </a:bgFillStyleLst>
     </a:fmtScheme>
   </a:themeElements>
-  <a:objectDefaults/>
-  <a:extraClrSchemeLst/>
   <a:extLst>
     <a:ext uri="{05A4C25C-085E-4340-85A3-A5531E510DB2}">
       <thm15:themeFamily xmlns:thm15="http://schemas.microsoft.com/office/thememl/2012/main" name="Office Theme" id="{62F939B6-93AF-4DB8-9C6B-D6C7DFDC589F}" vid="{4A3C46E8-61CC-4603-A589-7422A47A8E4A}"/>

--- a/rabbitmq/RabbitMQ.pptx
+++ b/rabbitmq/RabbitMQ.pptx
@@ -4112,7 +4112,7 @@
             <a:pPr algn="ctr"/>
             <a:r>
               <a:rPr lang="en-US" altLang="zh-CN"/>
-              <a:t>dekuvertrace</a:t>
+              <a:t>delivertrace</a:t>
             </a:r>
             <a:endParaRPr lang="en-US" altLang="zh-CN"/>
           </a:p>

--- a/rabbitmq/RabbitMQ.pptx
+++ b/rabbitmq/RabbitMQ.pptx
@@ -8,11 +8,13 @@
     <p:sldId id="256" r:id="rId3"/>
     <p:sldId id="257" r:id="rId4"/>
     <p:sldId id="258" r:id="rId5"/>
+    <p:sldId id="259" r:id="rId6"/>
+    <p:sldId id="260" r:id="rId7"/>
   </p:sldIdLst>
   <p:sldSz cx="12192000" cy="6858000"/>
   <p:notesSz cx="6858000" cy="9144000"/>
   <p:custDataLst>
-    <p:tags r:id="rId9"/>
+    <p:tags r:id="rId11"/>
   </p:custDataLst>
   <p:defaultTextStyle>
     <a:defPPr>
@@ -4274,9 +4276,678 @@
 </p:sld>
 </file>
 
+<file path=ppt/slides/slide4.xml><?xml version="1.0" encoding="utf-8"?>
+<p:sld xmlns:a="http://schemas.openxmlformats.org/drawingml/2006/main" xmlns:r="http://schemas.openxmlformats.org/officeDocument/2006/relationships" xmlns:p="http://schemas.openxmlformats.org/presentationml/2006/main">
+  <p:cSld>
+    <p:spTree>
+      <p:nvGrpSpPr>
+        <p:cNvPr id="1" name=""/>
+        <p:cNvGrpSpPr/>
+        <p:nvPr/>
+      </p:nvGrpSpPr>
+      <p:grpSpPr/>
+      <p:sp>
+        <p:nvSpPr>
+          <p:cNvPr id="4" name="矩形 3"/>
+          <p:cNvSpPr/>
+          <p:nvPr/>
+        </p:nvSpPr>
+        <p:spPr>
+          <a:xfrm>
+            <a:off x="2936875" y="1559560"/>
+            <a:ext cx="5818505" cy="886460"/>
+          </a:xfrm>
+          <a:prstGeom prst="rect">
+            <a:avLst/>
+          </a:prstGeom>
+        </p:spPr>
+        <p:style>
+          <a:lnRef idx="2">
+            <a:schemeClr val="accent5"/>
+          </a:lnRef>
+          <a:fillRef idx="1">
+            <a:schemeClr val="lt1"/>
+          </a:fillRef>
+          <a:effectRef idx="0">
+            <a:schemeClr val="accent5"/>
+          </a:effectRef>
+          <a:fontRef idx="minor">
+            <a:schemeClr val="dk1"/>
+          </a:fontRef>
+        </p:style>
+        <p:txBody>
+          <a:bodyPr rtlCol="0" anchor="ctr"/>
+          <a:p>
+            <a:pPr algn="ctr"/>
+            <a:endParaRPr lang="zh-CN" altLang="en-US"/>
+          </a:p>
+        </p:txBody>
+      </p:sp>
+      <p:sp>
+        <p:nvSpPr>
+          <p:cNvPr id="5" name="圆角矩形 4"/>
+          <p:cNvSpPr/>
+          <p:nvPr/>
+        </p:nvSpPr>
+        <p:spPr>
+          <a:xfrm>
+            <a:off x="7343140" y="1544320"/>
+            <a:ext cx="1302385" cy="900430"/>
+          </a:xfrm>
+          <a:prstGeom prst="roundRect">
+            <a:avLst/>
+          </a:prstGeom>
+        </p:spPr>
+        <p:style>
+          <a:lnRef idx="1">
+            <a:schemeClr val="accent5"/>
+          </a:lnRef>
+          <a:fillRef idx="3">
+            <a:schemeClr val="accent5"/>
+          </a:fillRef>
+          <a:effectRef idx="2">
+            <a:schemeClr val="accent5"/>
+          </a:effectRef>
+          <a:fontRef idx="minor">
+            <a:schemeClr val="lt1"/>
+          </a:fontRef>
+        </p:style>
+        <p:txBody>
+          <a:bodyPr rtlCol="0" anchor="ctr"/>
+          <a:p>
+            <a:pPr algn="ctr"/>
+            <a:r>
+              <a:rPr lang="en-US" altLang="zh-CN"/>
+              <a:t>30S</a:t>
+            </a:r>
+            <a:endParaRPr lang="en-US" altLang="zh-CN"/>
+          </a:p>
+        </p:txBody>
+      </p:sp>
+      <p:sp>
+        <p:nvSpPr>
+          <p:cNvPr id="6" name="圆角矩形 5"/>
+          <p:cNvSpPr/>
+          <p:nvPr>
+            <p:custDataLst>
+              <p:tags r:id="rId1"/>
+            </p:custDataLst>
+          </p:nvPr>
+        </p:nvSpPr>
+        <p:spPr>
+          <a:xfrm>
+            <a:off x="5918200" y="1544320"/>
+            <a:ext cx="1302385" cy="900430"/>
+          </a:xfrm>
+          <a:prstGeom prst="roundRect">
+            <a:avLst/>
+          </a:prstGeom>
+        </p:spPr>
+        <p:style>
+          <a:lnRef idx="1">
+            <a:schemeClr val="accent5"/>
+          </a:lnRef>
+          <a:fillRef idx="3">
+            <a:schemeClr val="accent5"/>
+          </a:fillRef>
+          <a:effectRef idx="2">
+            <a:schemeClr val="accent5"/>
+          </a:effectRef>
+          <a:fontRef idx="minor">
+            <a:schemeClr val="lt1"/>
+          </a:fontRef>
+        </p:style>
+        <p:txBody>
+          <a:bodyPr rtlCol="0" anchor="ctr"/>
+          <a:p>
+            <a:pPr algn="ctr"/>
+            <a:r>
+              <a:rPr lang="en-US" altLang="zh-CN"/>
+              <a:t>15S</a:t>
+            </a:r>
+            <a:endParaRPr lang="en-US" altLang="zh-CN"/>
+          </a:p>
+        </p:txBody>
+      </p:sp>
+      <p:sp>
+        <p:nvSpPr>
+          <p:cNvPr id="7" name="圆角矩形 6"/>
+          <p:cNvSpPr/>
+          <p:nvPr>
+            <p:custDataLst>
+              <p:tags r:id="rId2"/>
+            </p:custDataLst>
+          </p:nvPr>
+        </p:nvSpPr>
+        <p:spPr>
+          <a:xfrm>
+            <a:off x="4493260" y="1559560"/>
+            <a:ext cx="1302385" cy="900430"/>
+          </a:xfrm>
+          <a:prstGeom prst="roundRect">
+            <a:avLst/>
+          </a:prstGeom>
+        </p:spPr>
+        <p:style>
+          <a:lnRef idx="1">
+            <a:schemeClr val="accent5"/>
+          </a:lnRef>
+          <a:fillRef idx="3">
+            <a:schemeClr val="accent5"/>
+          </a:fillRef>
+          <a:effectRef idx="2">
+            <a:schemeClr val="accent5"/>
+          </a:effectRef>
+          <a:fontRef idx="minor">
+            <a:schemeClr val="lt1"/>
+          </a:fontRef>
+        </p:style>
+        <p:txBody>
+          <a:bodyPr rtlCol="0" anchor="ctr"/>
+          <a:p>
+            <a:pPr algn="ctr"/>
+            <a:r>
+              <a:rPr lang="en-US" altLang="zh-CN"/>
+              <a:t>20S</a:t>
+            </a:r>
+            <a:endParaRPr lang="en-US" altLang="zh-CN"/>
+          </a:p>
+        </p:txBody>
+      </p:sp>
+      <p:sp>
+        <p:nvSpPr>
+          <p:cNvPr id="8" name="圆角矩形 7"/>
+          <p:cNvSpPr/>
+          <p:nvPr>
+            <p:custDataLst>
+              <p:tags r:id="rId3"/>
+            </p:custDataLst>
+          </p:nvPr>
+        </p:nvSpPr>
+        <p:spPr>
+          <a:xfrm>
+            <a:off x="3068320" y="1559560"/>
+            <a:ext cx="1302385" cy="900430"/>
+          </a:xfrm>
+          <a:prstGeom prst="roundRect">
+            <a:avLst/>
+          </a:prstGeom>
+        </p:spPr>
+        <p:style>
+          <a:lnRef idx="1">
+            <a:schemeClr val="accent5"/>
+          </a:lnRef>
+          <a:fillRef idx="3">
+            <a:schemeClr val="accent5"/>
+          </a:fillRef>
+          <a:effectRef idx="2">
+            <a:schemeClr val="accent5"/>
+          </a:effectRef>
+          <a:fontRef idx="minor">
+            <a:schemeClr val="lt1"/>
+          </a:fontRef>
+        </p:style>
+        <p:txBody>
+          <a:bodyPr rtlCol="0" anchor="ctr"/>
+          <a:p>
+            <a:pPr algn="ctr"/>
+            <a:r>
+              <a:rPr lang="en-US" altLang="zh-CN"/>
+              <a:t>40S</a:t>
+            </a:r>
+            <a:endParaRPr lang="en-US" altLang="zh-CN"/>
+          </a:p>
+        </p:txBody>
+      </p:sp>
+      <p:sp>
+        <p:nvSpPr>
+          <p:cNvPr id="9" name="矩形 8"/>
+          <p:cNvSpPr/>
+          <p:nvPr>
+            <p:custDataLst>
+              <p:tags r:id="rId4"/>
+            </p:custDataLst>
+          </p:nvPr>
+        </p:nvSpPr>
+        <p:spPr>
+          <a:xfrm>
+            <a:off x="2936875" y="3916680"/>
+            <a:ext cx="5818505" cy="886460"/>
+          </a:xfrm>
+          <a:prstGeom prst="rect">
+            <a:avLst/>
+          </a:prstGeom>
+        </p:spPr>
+        <p:style>
+          <a:lnRef idx="2">
+            <a:schemeClr val="accent5"/>
+          </a:lnRef>
+          <a:fillRef idx="1">
+            <a:schemeClr val="lt1"/>
+          </a:fillRef>
+          <a:effectRef idx="0">
+            <a:schemeClr val="accent5"/>
+          </a:effectRef>
+          <a:fontRef idx="minor">
+            <a:schemeClr val="dk1"/>
+          </a:fontRef>
+        </p:style>
+        <p:txBody>
+          <a:bodyPr rtlCol="0" anchor="ctr"/>
+          <a:p>
+            <a:pPr algn="ctr"/>
+            <a:endParaRPr lang="zh-CN" altLang="en-US"/>
+          </a:p>
+        </p:txBody>
+      </p:sp>
+      <p:cxnSp>
+        <p:nvCxnSpPr>
+          <p:cNvPr id="10" name="曲线连接符 9"/>
+          <p:cNvCxnSpPr>
+            <a:stCxn id="5" idx="3"/>
+            <a:endCxn id="9" idx="3"/>
+          </p:cNvCxnSpPr>
+          <p:nvPr/>
+        </p:nvCxnSpPr>
+        <p:spPr>
+          <a:xfrm>
+            <a:off x="8645525" y="1994535"/>
+            <a:ext cx="109855" cy="2365375"/>
+          </a:xfrm>
+          <a:prstGeom prst="curvedConnector3">
+            <a:avLst>
+              <a:gd name="adj1" fmla="val 316763"/>
+            </a:avLst>
+          </a:prstGeom>
+          <a:ln>
+            <a:tailEnd type="arrow"/>
+          </a:ln>
+        </p:spPr>
+        <p:style>
+          <a:lnRef idx="1">
+            <a:schemeClr val="accent1"/>
+          </a:lnRef>
+          <a:fillRef idx="0">
+            <a:schemeClr val="accent1"/>
+          </a:fillRef>
+          <a:effectRef idx="0">
+            <a:schemeClr val="accent1"/>
+          </a:effectRef>
+          <a:fontRef idx="minor">
+            <a:schemeClr val="tx1"/>
+          </a:fontRef>
+        </p:style>
+      </p:cxnSp>
+    </p:spTree>
+  </p:cSld>
+  <p:clrMapOvr>
+    <a:masterClrMapping/>
+  </p:clrMapOvr>
+</p:sld>
+</file>
+
+<file path=ppt/slides/slide5.xml><?xml version="1.0" encoding="utf-8"?>
+<p:sld xmlns:a="http://schemas.openxmlformats.org/drawingml/2006/main" xmlns:r="http://schemas.openxmlformats.org/officeDocument/2006/relationships" xmlns:p="http://schemas.openxmlformats.org/presentationml/2006/main">
+  <p:cSld>
+    <p:spTree>
+      <p:nvGrpSpPr>
+        <p:cNvPr id="1" name=""/>
+        <p:cNvGrpSpPr/>
+        <p:nvPr/>
+      </p:nvGrpSpPr>
+      <p:grpSpPr/>
+      <p:sp>
+        <p:nvSpPr>
+          <p:cNvPr id="4" name="圆角矩形 3"/>
+          <p:cNvSpPr/>
+          <p:nvPr/>
+        </p:nvSpPr>
+        <p:spPr>
+          <a:xfrm>
+            <a:off x="608965" y="2513965"/>
+            <a:ext cx="1814830" cy="1149985"/>
+          </a:xfrm>
+          <a:prstGeom prst="roundRect">
+            <a:avLst/>
+          </a:prstGeom>
+        </p:spPr>
+        <p:style>
+          <a:lnRef idx="1">
+            <a:schemeClr val="accent6"/>
+          </a:lnRef>
+          <a:fillRef idx="3">
+            <a:schemeClr val="accent6"/>
+          </a:fillRef>
+          <a:effectRef idx="2">
+            <a:schemeClr val="accent6"/>
+          </a:effectRef>
+          <a:fontRef idx="minor">
+            <a:schemeClr val="lt1"/>
+          </a:fontRef>
+        </p:style>
+        <p:txBody>
+          <a:bodyPr rtlCol="0" anchor="ctr"/>
+          <a:p>
+            <a:pPr algn="ctr"/>
+            <a:r>
+              <a:rPr lang="zh-CN" altLang="en-US"/>
+              <a:t>生产者</a:t>
+            </a:r>
+            <a:endParaRPr lang="zh-CN" altLang="en-US"/>
+          </a:p>
+        </p:txBody>
+      </p:sp>
+      <p:sp>
+        <p:nvSpPr>
+          <p:cNvPr id="5" name="圆角矩形 4"/>
+          <p:cNvSpPr/>
+          <p:nvPr>
+            <p:custDataLst>
+              <p:tags r:id="rId1"/>
+            </p:custDataLst>
+          </p:nvPr>
+        </p:nvSpPr>
+        <p:spPr>
+          <a:xfrm>
+            <a:off x="3423920" y="2513965"/>
+            <a:ext cx="1814830" cy="1149985"/>
+          </a:xfrm>
+          <a:prstGeom prst="roundRect">
+            <a:avLst/>
+          </a:prstGeom>
+        </p:spPr>
+        <p:style>
+          <a:lnRef idx="1">
+            <a:schemeClr val="accent4"/>
+          </a:lnRef>
+          <a:fillRef idx="3">
+            <a:schemeClr val="accent4"/>
+          </a:fillRef>
+          <a:effectRef idx="2">
+            <a:schemeClr val="accent4"/>
+          </a:effectRef>
+          <a:fontRef idx="minor">
+            <a:schemeClr val="lt1"/>
+          </a:fontRef>
+        </p:style>
+        <p:txBody>
+          <a:bodyPr rtlCol="0" anchor="ctr"/>
+          <a:p>
+            <a:pPr algn="ctr"/>
+            <a:r>
+              <a:rPr lang="zh-CN" altLang="en-US"/>
+              <a:t>延迟交换器</a:t>
+            </a:r>
+            <a:endParaRPr lang="zh-CN" altLang="en-US"/>
+          </a:p>
+        </p:txBody>
+      </p:sp>
+      <p:sp>
+        <p:nvSpPr>
+          <p:cNvPr id="6" name="圆角矩形 5"/>
+          <p:cNvSpPr/>
+          <p:nvPr>
+            <p:custDataLst>
+              <p:tags r:id="rId2"/>
+            </p:custDataLst>
+          </p:nvPr>
+        </p:nvSpPr>
+        <p:spPr>
+          <a:xfrm>
+            <a:off x="6238875" y="2513965"/>
+            <a:ext cx="1814830" cy="1149985"/>
+          </a:xfrm>
+          <a:prstGeom prst="roundRect">
+            <a:avLst/>
+          </a:prstGeom>
+        </p:spPr>
+        <p:style>
+          <a:lnRef idx="1">
+            <a:schemeClr val="accent2"/>
+          </a:lnRef>
+          <a:fillRef idx="3">
+            <a:schemeClr val="accent2"/>
+          </a:fillRef>
+          <a:effectRef idx="2">
+            <a:schemeClr val="accent2"/>
+          </a:effectRef>
+          <a:fontRef idx="minor">
+            <a:schemeClr val="lt1"/>
+          </a:fontRef>
+        </p:style>
+        <p:txBody>
+          <a:bodyPr rtlCol="0" anchor="ctr"/>
+          <a:p>
+            <a:pPr algn="ctr"/>
+            <a:r>
+              <a:rPr lang="zh-CN" altLang="en-US"/>
+              <a:t>消息队列</a:t>
+            </a:r>
+            <a:endParaRPr lang="zh-CN" altLang="en-US"/>
+          </a:p>
+        </p:txBody>
+      </p:sp>
+      <p:sp>
+        <p:nvSpPr>
+          <p:cNvPr id="7" name="圆角矩形 6"/>
+          <p:cNvSpPr/>
+          <p:nvPr>
+            <p:custDataLst>
+              <p:tags r:id="rId3"/>
+            </p:custDataLst>
+          </p:nvPr>
+        </p:nvSpPr>
+        <p:spPr>
+          <a:xfrm>
+            <a:off x="9053830" y="2513965"/>
+            <a:ext cx="1814830" cy="1149985"/>
+          </a:xfrm>
+          <a:prstGeom prst="roundRect">
+            <a:avLst/>
+          </a:prstGeom>
+        </p:spPr>
+        <p:style>
+          <a:lnRef idx="1">
+            <a:schemeClr val="accent5"/>
+          </a:lnRef>
+          <a:fillRef idx="3">
+            <a:schemeClr val="accent5"/>
+          </a:fillRef>
+          <a:effectRef idx="2">
+            <a:schemeClr val="accent5"/>
+          </a:effectRef>
+          <a:fontRef idx="minor">
+            <a:schemeClr val="lt1"/>
+          </a:fontRef>
+        </p:style>
+        <p:txBody>
+          <a:bodyPr rtlCol="0" anchor="ctr"/>
+          <a:p>
+            <a:pPr algn="ctr"/>
+            <a:r>
+              <a:rPr lang="zh-CN" altLang="en-US"/>
+              <a:t>消费者</a:t>
+            </a:r>
+            <a:endParaRPr lang="zh-CN" altLang="en-US"/>
+          </a:p>
+        </p:txBody>
+      </p:sp>
+      <p:cxnSp>
+        <p:nvCxnSpPr>
+          <p:cNvPr id="8" name="直接箭头连接符 7"/>
+          <p:cNvCxnSpPr>
+            <a:stCxn id="4" idx="3"/>
+            <a:endCxn id="5" idx="1"/>
+          </p:cNvCxnSpPr>
+          <p:nvPr/>
+        </p:nvCxnSpPr>
+        <p:spPr>
+          <a:xfrm>
+            <a:off x="2423795" y="3089275"/>
+            <a:ext cx="1000125" cy="0"/>
+          </a:xfrm>
+          <a:prstGeom prst="straightConnector1">
+            <a:avLst/>
+          </a:prstGeom>
+          <a:ln>
+            <a:tailEnd type="arrow" w="med" len="med"/>
+          </a:ln>
+        </p:spPr>
+        <p:style>
+          <a:lnRef idx="3">
+            <a:schemeClr val="accent1"/>
+          </a:lnRef>
+          <a:fillRef idx="0">
+            <a:schemeClr val="accent1"/>
+          </a:fillRef>
+          <a:effectRef idx="2">
+            <a:schemeClr val="accent1"/>
+          </a:effectRef>
+          <a:fontRef idx="minor">
+            <a:schemeClr val="tx1"/>
+          </a:fontRef>
+        </p:style>
+      </p:cxnSp>
+      <p:cxnSp>
+        <p:nvCxnSpPr>
+          <p:cNvPr id="9" name="直接箭头连接符 8"/>
+          <p:cNvCxnSpPr/>
+          <p:nvPr>
+            <p:custDataLst>
+              <p:tags r:id="rId4"/>
+            </p:custDataLst>
+          </p:nvPr>
+        </p:nvCxnSpPr>
+        <p:spPr>
+          <a:xfrm>
+            <a:off x="5238750" y="3089275"/>
+            <a:ext cx="1000125" cy="0"/>
+          </a:xfrm>
+          <a:prstGeom prst="straightConnector1">
+            <a:avLst/>
+          </a:prstGeom>
+          <a:ln>
+            <a:tailEnd type="arrow" w="med" len="med"/>
+          </a:ln>
+        </p:spPr>
+        <p:style>
+          <a:lnRef idx="3">
+            <a:schemeClr val="accent1"/>
+          </a:lnRef>
+          <a:fillRef idx="0">
+            <a:schemeClr val="accent1"/>
+          </a:fillRef>
+          <a:effectRef idx="2">
+            <a:schemeClr val="accent1"/>
+          </a:effectRef>
+          <a:fontRef idx="minor">
+            <a:schemeClr val="tx1"/>
+          </a:fontRef>
+        </p:style>
+      </p:cxnSp>
+      <p:cxnSp>
+        <p:nvCxnSpPr>
+          <p:cNvPr id="10" name="直接箭头连接符 9"/>
+          <p:cNvCxnSpPr/>
+          <p:nvPr>
+            <p:custDataLst>
+              <p:tags r:id="rId5"/>
+            </p:custDataLst>
+          </p:nvPr>
+        </p:nvCxnSpPr>
+        <p:spPr>
+          <a:xfrm>
+            <a:off x="8053705" y="3089275"/>
+            <a:ext cx="1000125" cy="0"/>
+          </a:xfrm>
+          <a:prstGeom prst="straightConnector1">
+            <a:avLst/>
+          </a:prstGeom>
+          <a:ln>
+            <a:tailEnd type="arrow" w="med" len="med"/>
+          </a:ln>
+        </p:spPr>
+        <p:style>
+          <a:lnRef idx="3">
+            <a:schemeClr val="accent1"/>
+          </a:lnRef>
+          <a:fillRef idx="0">
+            <a:schemeClr val="accent1"/>
+          </a:fillRef>
+          <a:effectRef idx="2">
+            <a:schemeClr val="accent1"/>
+          </a:effectRef>
+          <a:fontRef idx="minor">
+            <a:schemeClr val="tx1"/>
+          </a:fontRef>
+        </p:style>
+      </p:cxnSp>
+    </p:spTree>
+  </p:cSld>
+  <p:clrMapOvr>
+    <a:masterClrMapping/>
+  </p:clrMapOvr>
+</p:sld>
+</file>
+
 <file path=ppt/tags/tag1.xml><?xml version="1.0" encoding="utf-8"?>
 <p:tagLst xmlns:p="http://schemas.openxmlformats.org/presentationml/2006/main">
   <p:tag name="KSO_WM_BEAUTIFY_FLAG" val=""/>
+</p:tagLst>
+</file>
+
+<file path=ppt/tags/tag10.xml><?xml version="1.0" encoding="utf-8"?>
+<p:tagLst xmlns:p="http://schemas.openxmlformats.org/presentationml/2006/main">
+  <p:tag name="KSO_WM_BEAUTIFY_FLAG" val=""/>
+</p:tagLst>
+</file>
+
+<file path=ppt/tags/tag11.xml><?xml version="1.0" encoding="utf-8"?>
+<p:tagLst xmlns:p="http://schemas.openxmlformats.org/presentationml/2006/main">
+  <p:tag name="KSO_WM_BEAUTIFY_FLAG" val=""/>
+</p:tagLst>
+</file>
+
+<file path=ppt/tags/tag12.xml><?xml version="1.0" encoding="utf-8"?>
+<p:tagLst xmlns:p="http://schemas.openxmlformats.org/presentationml/2006/main">
+  <p:tag name="KSO_WM_BEAUTIFY_FLAG" val=""/>
+</p:tagLst>
+</file>
+
+<file path=ppt/tags/tag13.xml><?xml version="1.0" encoding="utf-8"?>
+<p:tagLst xmlns:p="http://schemas.openxmlformats.org/presentationml/2006/main">
+  <p:tag name="KSO_WM_BEAUTIFY_FLAG" val=""/>
+</p:tagLst>
+</file>
+
+<file path=ppt/tags/tag14.xml><?xml version="1.0" encoding="utf-8"?>
+<p:tagLst xmlns:p="http://schemas.openxmlformats.org/presentationml/2006/main">
+  <p:tag name="KSO_WM_BEAUTIFY_FLAG" val=""/>
+</p:tagLst>
+</file>
+
+<file path=ppt/tags/tag15.xml><?xml version="1.0" encoding="utf-8"?>
+<p:tagLst xmlns:p="http://schemas.openxmlformats.org/presentationml/2006/main">
+  <p:tag name="KSO_WM_BEAUTIFY_FLAG" val=""/>
+</p:tagLst>
+</file>
+
+<file path=ppt/tags/tag16.xml><?xml version="1.0" encoding="utf-8"?>
+<p:tagLst xmlns:p="http://schemas.openxmlformats.org/presentationml/2006/main">
+  <p:tag name="KSO_WM_BEAUTIFY_FLAG" val=""/>
+</p:tagLst>
+</file>
+
+<file path=ppt/tags/tag17.xml><?xml version="1.0" encoding="utf-8"?>
+<p:tagLst xmlns:p="http://schemas.openxmlformats.org/presentationml/2006/main">
+  <p:tag name="KSO_WM_BEAUTIFY_FLAG" val=""/>
+</p:tagLst>
+</file>
+
+<file path=ppt/tags/tag18.xml><?xml version="1.0" encoding="utf-8"?>
+<p:tagLst xmlns:p="http://schemas.openxmlformats.org/presentationml/2006/main">
+  <p:tag name="KSO_WPP_MARK_KEY" val="f85e522e-3cd0-4586-8835-0f7fc239d415"/>
+  <p:tag name="COMMONDATA" val="eyJoZGlkIjoiMjdjYzBiM2JmMDdiNmE0MzdmZGUxMTJkZmU5Yzk1NGMifQ=="/>
 </p:tagLst>
 </file>
 
@@ -4324,8 +4995,7 @@
 
 <file path=ppt/tags/tag9.xml><?xml version="1.0" encoding="utf-8"?>
 <p:tagLst xmlns:p="http://schemas.openxmlformats.org/presentationml/2006/main">
-  <p:tag name="KSO_WPP_MARK_KEY" val="f85e522e-3cd0-4586-8835-0f7fc239d415"/>
-  <p:tag name="COMMONDATA" val="eyJoZGlkIjoiMjdjYzBiM2JmMDdiNmE0MzdmZGUxMTJkZmU5Yzk1NGMifQ=="/>
+  <p:tag name="KSO_WM_BEAUTIFY_FLAG" val=""/>
 </p:tagLst>
 </file>
 
